--- a/presentation/song_prediction.pptx
+++ b/presentation/song_prediction.pptx
@@ -12,10 +12,9 @@
     <p:sldId id="260" r:id="rId6"/>
     <p:sldId id="261" r:id="rId7"/>
     <p:sldId id="262" r:id="rId8"/>
-    <p:sldId id="263" r:id="rId9"/>
-    <p:sldId id="264" r:id="rId10"/>
-    <p:sldId id="265" r:id="rId11"/>
-    <p:sldId id="266" r:id="rId12"/>
+    <p:sldId id="264" r:id="rId9"/>
+    <p:sldId id="265" r:id="rId10"/>
+    <p:sldId id="266" r:id="rId11"/>
   </p:sldIdLst>
   <p:sldSz cx="12192000" cy="6858000"/>
   <p:notesSz cx="6858000" cy="9144000"/>
@@ -114,6 +113,11 @@
       </a:defRPr>
     </a:lvl9pPr>
   </p:defaultTextStyle>
+  <p:extLst>
+    <p:ext uri="{EFAFB233-063F-42B5-8137-9DF3F51BA10A}">
+      <p15:sldGuideLst xmlns:p15="http://schemas.microsoft.com/office/powerpoint/2012/main"/>
+    </p:ext>
+  </p:extLst>
 </p:presentation>
 </file>
 
@@ -3317,6 +3321,14 @@
 <file path=ppt/slides/slide1.xml><?xml version="1.0" encoding="utf-8"?>
 <p:sld xmlns:a="http://schemas.openxmlformats.org/drawingml/2006/main" xmlns:r="http://schemas.openxmlformats.org/officeDocument/2006/relationships" xmlns:p="http://schemas.openxmlformats.org/presentationml/2006/main">
   <p:cSld>
+    <p:bg>
+      <p:bgPr>
+        <a:solidFill>
+          <a:schemeClr val="bg1"/>
+        </a:solidFill>
+        <a:effectLst/>
+      </p:bgPr>
+    </p:bg>
     <p:spTree>
       <p:nvGrpSpPr>
         <p:cNvPr id="1" name=""/>
@@ -3331,6 +3343,182 @@
           <a:chExt cx="0" cy="0"/>
         </a:xfrm>
       </p:grpSpPr>
+      <p:sp useBgFill="1">
+        <p:nvSpPr>
+          <p:cNvPr id="46" name="Rectangle 34">
+            <a:extLst>
+              <a:ext uri="{FF2B5EF4-FFF2-40B4-BE49-F238E27FC236}">
+                <a16:creationId xmlns:a16="http://schemas.microsoft.com/office/drawing/2014/main" id="{526E0BFB-CDF1-4990-8C11-AC849311E0A8}"/>
+              </a:ext>
+              <a:ext uri="{C183D7F6-B498-43B3-948B-1728B52AA6E4}">
+                <adec:decorative xmlns:adec="http://schemas.microsoft.com/office/drawing/2017/decorative" val="1"/>
+              </a:ext>
+            </a:extLst>
+          </p:cNvPr>
+          <p:cNvSpPr>
+            <a:spLocks noGrp="1" noRot="1" noChangeAspect="1" noMove="1" noResize="1" noEditPoints="1" noAdjustHandles="1" noChangeArrowheads="1" noChangeShapeType="1" noTextEdit="1"/>
+          </p:cNvSpPr>
+          <p:nvPr>
+            <p:extLst>
+              <p:ext uri="{386F3935-93C4-4BCD-93E2-E3B085C9AB24}">
+                <p16:designElem xmlns:p16="http://schemas.microsoft.com/office/powerpoint/2015/main" val="1"/>
+              </p:ext>
+            </p:extLst>
+          </p:nvPr>
+        </p:nvSpPr>
+        <p:spPr>
+          <a:xfrm>
+            <a:off x="0" y="0"/>
+            <a:ext cx="12192000" cy="6858000"/>
+          </a:xfrm>
+          <a:prstGeom prst="rect">
+            <a:avLst/>
+          </a:prstGeom>
+          <a:ln>
+            <a:noFill/>
+          </a:ln>
+        </p:spPr>
+        <p:style>
+          <a:lnRef idx="2">
+            <a:schemeClr val="accent1">
+              <a:shade val="50000"/>
+            </a:schemeClr>
+          </a:lnRef>
+          <a:fillRef idx="1">
+            <a:schemeClr val="accent1"/>
+          </a:fillRef>
+          <a:effectRef idx="0">
+            <a:schemeClr val="accent1"/>
+          </a:effectRef>
+          <a:fontRef idx="minor">
+            <a:schemeClr val="lt1"/>
+          </a:fontRef>
+        </p:style>
+        <p:txBody>
+          <a:bodyPr rtlCol="0" anchor="ctr"/>
+          <a:lstStyle/>
+          <a:p>
+            <a:pPr algn="ctr"/>
+            <a:endParaRPr lang="en-US"/>
+          </a:p>
+        </p:txBody>
+      </p:sp>
+      <p:pic>
+        <p:nvPicPr>
+          <p:cNvPr id="5" name="תמונה 4">
+            <a:extLst>
+              <a:ext uri="{FF2B5EF4-FFF2-40B4-BE49-F238E27FC236}">
+                <a16:creationId xmlns:a16="http://schemas.microsoft.com/office/drawing/2014/main" id="{03A0374D-9B11-D872-EE83-C7E007D698BE}"/>
+              </a:ext>
+            </a:extLst>
+          </p:cNvPr>
+          <p:cNvPicPr>
+            <a:picLocks noChangeAspect="1"/>
+          </p:cNvPicPr>
+          <p:nvPr/>
+        </p:nvPicPr>
+        <p:blipFill rotWithShape="1">
+          <a:blip r:embed="rId2">
+            <a:extLst>
+              <a:ext uri="{28A0092B-C50C-407E-A947-70E740481C1C}">
+                <a14:useLocalDpi xmlns:a14="http://schemas.microsoft.com/office/drawing/2010/main" val="0"/>
+              </a:ext>
+            </a:extLst>
+          </a:blip>
+          <a:srcRect l="15863" t="9091" r="6000" b="2"/>
+          <a:stretch/>
+        </p:blipFill>
+        <p:spPr>
+          <a:xfrm>
+            <a:off x="-2" y="10"/>
+            <a:ext cx="8668512" cy="6857990"/>
+          </a:xfrm>
+          <a:prstGeom prst="rect">
+            <a:avLst/>
+          </a:prstGeom>
+        </p:spPr>
+      </p:pic>
+      <p:sp>
+        <p:nvSpPr>
+          <p:cNvPr id="47" name="Rectangle 36">
+            <a:extLst>
+              <a:ext uri="{FF2B5EF4-FFF2-40B4-BE49-F238E27FC236}">
+                <a16:creationId xmlns:a16="http://schemas.microsoft.com/office/drawing/2014/main" id="{6069A1F8-9BEB-4786-9694-FC48B2D75D21}"/>
+              </a:ext>
+              <a:ext uri="{C183D7F6-B498-43B3-948B-1728B52AA6E4}">
+                <adec:decorative xmlns:adec="http://schemas.microsoft.com/office/drawing/2017/decorative" val="1"/>
+              </a:ext>
+            </a:extLst>
+          </p:cNvPr>
+          <p:cNvSpPr>
+            <a:spLocks noGrp="1" noRot="1" noChangeAspect="1" noMove="1" noResize="1" noEditPoints="1" noAdjustHandles="1" noChangeArrowheads="1" noChangeShapeType="1" noTextEdit="1"/>
+          </p:cNvSpPr>
+          <p:nvPr>
+            <p:extLst>
+              <p:ext uri="{386F3935-93C4-4BCD-93E2-E3B085C9AB24}">
+                <p16:designElem xmlns:p16="http://schemas.microsoft.com/office/powerpoint/2015/main" val="1"/>
+              </p:ext>
+            </p:extLst>
+          </p:nvPr>
+        </p:nvSpPr>
+        <p:spPr>
+          <a:xfrm flipH="1">
+            <a:off x="2788244" y="0"/>
+            <a:ext cx="9403756" cy="6858000"/>
+          </a:xfrm>
+          <a:prstGeom prst="rect">
+            <a:avLst/>
+          </a:prstGeom>
+          <a:gradFill>
+            <a:gsLst>
+              <a:gs pos="58000">
+                <a:schemeClr val="bg1"/>
+              </a:gs>
+              <a:gs pos="30000">
+                <a:schemeClr val="bg1">
+                  <a:alpha val="64000"/>
+                </a:schemeClr>
+              </a:gs>
+              <a:gs pos="0">
+                <a:schemeClr val="bg1">
+                  <a:alpha val="0"/>
+                </a:schemeClr>
+              </a:gs>
+              <a:gs pos="100000">
+                <a:schemeClr val="bg1"/>
+              </a:gs>
+            </a:gsLst>
+            <a:lin ang="10800000" scaled="0"/>
+          </a:gradFill>
+          <a:ln>
+            <a:noFill/>
+          </a:ln>
+        </p:spPr>
+        <p:style>
+          <a:lnRef idx="2">
+            <a:schemeClr val="accent1">
+              <a:shade val="50000"/>
+            </a:schemeClr>
+          </a:lnRef>
+          <a:fillRef idx="1">
+            <a:schemeClr val="accent1"/>
+          </a:fillRef>
+          <a:effectRef idx="0">
+            <a:schemeClr val="accent1"/>
+          </a:effectRef>
+          <a:fontRef idx="minor">
+            <a:schemeClr val="lt1"/>
+          </a:fontRef>
+        </p:style>
+        <p:txBody>
+          <a:bodyPr rtlCol="0" anchor="ctr"/>
+          <a:lstStyle/>
+          <a:p>
+            <a:pPr algn="ctr"/>
+            <a:endParaRPr lang="en-US" dirty="0"/>
+          </a:p>
+        </p:txBody>
+      </p:sp>
       <p:sp>
         <p:nvSpPr>
           <p:cNvPr id="2" name="כותרת 1">
@@ -3347,32 +3535,40 @@
             <p:ph type="ctrTitle"/>
           </p:nvPr>
         </p:nvSpPr>
-        <p:spPr/>
-        <p:txBody>
-          <a:bodyPr/>
-          <a:lstStyle/>
-          <a:p>
-            <a:r>
-              <a:rPr lang="en-US" b="0" i="0" dirty="0">
+        <p:spPr>
+          <a:xfrm>
+            <a:off x="7848600" y="1122363"/>
+            <a:ext cx="4023360" cy="3204134"/>
+          </a:xfrm>
+        </p:spPr>
+        <p:txBody>
+          <a:bodyPr anchor="b">
+            <a:normAutofit/>
+          </a:bodyPr>
+          <a:lstStyle/>
+          <a:p>
+            <a:pPr algn="l"/>
+            <a:r>
+              <a:rPr lang="en-US" sz="4800" b="0" i="0" dirty="0">
                 <a:effectLst/>
                 <a:latin typeface="Söhne"/>
               </a:rPr>
-              <a:t>Data Science Project</a:t>
+              <a:t>Data Science Project:</a:t>
             </a:r>
             <a:br>
-              <a:rPr lang="en-US" b="0" i="0" dirty="0">
+              <a:rPr lang="en-US" sz="4800" b="0" i="0" dirty="0">
                 <a:effectLst/>
                 <a:latin typeface="Söhne"/>
               </a:rPr>
             </a:br>
             <a:r>
-              <a:rPr lang="en-US" b="0" i="0" dirty="0">
+              <a:rPr lang="en-US" sz="4800" b="0" i="0" dirty="0">
                 <a:effectLst/>
                 <a:latin typeface="Söhne"/>
               </a:rPr>
               <a:t>What Makes a Hit Song</a:t>
             </a:r>
-            <a:endParaRPr lang="he-IL" dirty="0"/>
+            <a:endParaRPr lang="he-IL" sz="4800" dirty="0"/>
           </a:p>
         </p:txBody>
       </p:sp>
@@ -3392,30 +3588,192 @@
             <p:ph type="subTitle" idx="1"/>
           </p:nvPr>
         </p:nvSpPr>
-        <p:spPr/>
-        <p:txBody>
-          <a:bodyPr/>
-          <a:lstStyle/>
-          <a:p>
-            <a:r>
-              <a:rPr lang="en-US" dirty="0"/>
+        <p:spPr>
+          <a:xfrm>
+            <a:off x="7848600" y="4872922"/>
+            <a:ext cx="4023360" cy="1208141"/>
+          </a:xfrm>
+        </p:spPr>
+        <p:txBody>
+          <a:bodyPr>
+            <a:normAutofit/>
+          </a:bodyPr>
+          <a:lstStyle/>
+          <a:p>
+            <a:pPr algn="l"/>
+            <a:r>
+              <a:rPr lang="en-US" sz="2000"/>
               <a:t>By:</a:t>
             </a:r>
           </a:p>
           <a:p>
-            <a:r>
-              <a:rPr lang="en-US" dirty="0"/>
-              <a:t>Michal </a:t>
-            </a:r>
-            <a:r>
-              <a:rPr lang="en-US" dirty="0" err="1"/>
-              <a:t>Hagoel</a:t>
-            </a:r>
-            <a:r>
-              <a:rPr lang="en-US" dirty="0"/>
-              <a:t> &amp; Omer Sharoni</a:t>
-            </a:r>
-            <a:endParaRPr lang="he-IL" dirty="0"/>
+            <a:pPr algn="l"/>
+            <a:r>
+              <a:rPr lang="en-US" sz="2000"/>
+              <a:t>Michal Hagoel &amp; Omer Sharoni</a:t>
+            </a:r>
+            <a:endParaRPr lang="he-IL" sz="2000"/>
+          </a:p>
+        </p:txBody>
+      </p:sp>
+      <p:sp>
+        <p:nvSpPr>
+          <p:cNvPr id="39" name="Rectangle 38">
+            <a:extLst>
+              <a:ext uri="{FF2B5EF4-FFF2-40B4-BE49-F238E27FC236}">
+                <a16:creationId xmlns:a16="http://schemas.microsoft.com/office/drawing/2014/main" id="{AF2F604E-43BE-4DC3-B983-E071523364F8}"/>
+              </a:ext>
+              <a:ext uri="{C183D7F6-B498-43B3-948B-1728B52AA6E4}">
+                <adec:decorative xmlns:adec="http://schemas.microsoft.com/office/drawing/2017/decorative" val="1"/>
+              </a:ext>
+            </a:extLst>
+          </p:cNvPr>
+          <p:cNvSpPr>
+            <a:spLocks noGrp="1" noRot="1" noChangeAspect="1" noMove="1" noResize="1" noEditPoints="1" noAdjustHandles="1" noChangeArrowheads="1" noChangeShapeType="1" noTextEdit="1"/>
+          </p:cNvSpPr>
+          <p:nvPr>
+            <p:extLst>
+              <p:ext uri="{386F3935-93C4-4BCD-93E2-E3B085C9AB24}">
+                <p16:designElem xmlns:p16="http://schemas.microsoft.com/office/powerpoint/2015/main" val="1"/>
+              </p:ext>
+            </p:extLst>
+          </p:nvPr>
+        </p:nvSpPr>
+        <p:spPr>
+          <a:xfrm rot="5400000">
+            <a:off x="8130540" y="346791"/>
+            <a:ext cx="146304" cy="704088"/>
+          </a:xfrm>
+          <a:prstGeom prst="rect">
+            <a:avLst/>
+          </a:prstGeom>
+          <a:solidFill>
+            <a:schemeClr val="accent2"/>
+          </a:solidFill>
+          <a:ln>
+            <a:noFill/>
+          </a:ln>
+        </p:spPr>
+        <p:style>
+          <a:lnRef idx="2">
+            <a:schemeClr val="accent1">
+              <a:shade val="50000"/>
+            </a:schemeClr>
+          </a:lnRef>
+          <a:fillRef idx="1">
+            <a:schemeClr val="accent1"/>
+          </a:fillRef>
+          <a:effectRef idx="0">
+            <a:schemeClr val="accent1"/>
+          </a:effectRef>
+          <a:fontRef idx="minor">
+            <a:schemeClr val="lt1"/>
+          </a:fontRef>
+        </p:style>
+        <p:txBody>
+          <a:bodyPr rtlCol="0" anchor="ctr"/>
+          <a:lstStyle/>
+          <a:p>
+            <a:pPr algn="ctr"/>
+            <a:endParaRPr lang="en-US">
+              <a:solidFill>
+                <a:prstClr val="white"/>
+              </a:solidFill>
+              <a:latin typeface="Calibri" panose="020F0502020204030204"/>
+            </a:endParaRPr>
+          </a:p>
+        </p:txBody>
+      </p:sp>
+      <p:sp>
+        <p:nvSpPr>
+          <p:cNvPr id="41" name="Rectangle 40">
+            <a:extLst>
+              <a:ext uri="{FF2B5EF4-FFF2-40B4-BE49-F238E27FC236}">
+                <a16:creationId xmlns:a16="http://schemas.microsoft.com/office/drawing/2014/main" id="{08C9B587-E65E-4B52-B37C-ABEBB6E87928}"/>
+              </a:ext>
+              <a:ext uri="{C183D7F6-B498-43B3-948B-1728B52AA6E4}">
+                <adec:decorative xmlns:adec="http://schemas.microsoft.com/office/drawing/2017/decorative" val="1"/>
+              </a:ext>
+            </a:extLst>
+          </p:cNvPr>
+          <p:cNvSpPr>
+            <a:spLocks noGrp="1" noRot="1" noChangeAspect="1" noMove="1" noResize="1" noEditPoints="1" noAdjustHandles="1" noChangeArrowheads="1" noChangeShapeType="1" noTextEdit="1"/>
+          </p:cNvSpPr>
+          <p:nvPr>
+            <p:extLst>
+              <p:ext uri="{386F3935-93C4-4BCD-93E2-E3B085C9AB24}">
+                <p16:designElem xmlns:p16="http://schemas.microsoft.com/office/powerpoint/2015/main" val="1"/>
+              </p:ext>
+            </p:extLst>
+          </p:nvPr>
+        </p:nvSpPr>
+        <p:spPr>
+          <a:xfrm>
+            <a:off x="7851648" y="4546920"/>
+            <a:ext cx="4023360" cy="18288"/>
+          </a:xfrm>
+          <a:prstGeom prst="rect">
+            <a:avLst/>
+          </a:prstGeom>
+          <a:solidFill>
+            <a:schemeClr val="tx1"/>
+          </a:solidFill>
+          <a:ln w="3175">
+            <a:noFill/>
+          </a:ln>
+          <a:effectLst/>
+        </p:spPr>
+        <p:style>
+          <a:lnRef idx="2">
+            <a:schemeClr val="accent1">
+              <a:shade val="50000"/>
+            </a:schemeClr>
+          </a:lnRef>
+          <a:fillRef idx="1">
+            <a:schemeClr val="accent1"/>
+          </a:fillRef>
+          <a:effectRef idx="0">
+            <a:schemeClr val="accent1"/>
+          </a:effectRef>
+          <a:fontRef idx="minor">
+            <a:schemeClr val="lt1"/>
+          </a:fontRef>
+        </p:style>
+        <p:txBody>
+          <a:bodyPr rtlCol="0" anchor="ctr"/>
+          <a:lstStyle/>
+          <a:p>
+            <a:pPr marL="0" marR="0" lvl="0" indent="0" algn="ctr" defTabSz="914400" rtl="0" eaLnBrk="1" fontAlgn="auto" latinLnBrk="0" hangingPunct="1">
+              <a:lnSpc>
+                <a:spcPct val="100000"/>
+              </a:lnSpc>
+              <a:spcBef>
+                <a:spcPts val="0"/>
+              </a:spcBef>
+              <a:spcAft>
+                <a:spcPts val="0"/>
+              </a:spcAft>
+              <a:buClrTx/>
+              <a:buSzTx/>
+              <a:buFontTx/>
+              <a:buNone/>
+              <a:tabLst/>
+              <a:defRPr/>
+            </a:pPr>
+            <a:endParaRPr kumimoji="0" lang="en-US" sz="1800" b="0" i="0" u="none" strike="noStrike" kern="1200" cap="none" spc="0" normalizeH="0" baseline="0" noProof="0">
+              <a:ln>
+                <a:noFill/>
+              </a:ln>
+              <a:solidFill>
+                <a:prstClr val="white"/>
+              </a:solidFill>
+              <a:effectLst/>
+              <a:uLnTx/>
+              <a:uFillTx/>
+              <a:latin typeface="Calibri" panose="020F0502020204030204"/>
+              <a:ea typeface="+mn-ea"/>
+              <a:cs typeface="+mn-cs"/>
+            </a:endParaRPr>
           </a:p>
         </p:txBody>
       </p:sp>
@@ -3427,7 +3785,7 @@
     </p:extLst>
   </p:cSld>
   <p:clrMapOvr>
-    <a:masterClrMapping/>
+    <a:overrideClrMapping bg1="dk1" tx1="lt1" bg2="dk2" tx2="lt2" accent1="accent1" accent2="accent2" accent3="accent3" accent4="accent4" accent5="accent5" accent6="accent6" hlink="hlink" folHlink="folHlink"/>
   </p:clrMapOvr>
 </p:sld>
 </file>
@@ -3454,135 +3812,6 @@
           <p:cNvPr id="2" name="כותרת 1">
             <a:extLst>
               <a:ext uri="{FF2B5EF4-FFF2-40B4-BE49-F238E27FC236}">
-                <a16:creationId xmlns:a16="http://schemas.microsoft.com/office/drawing/2014/main" id="{8D587D55-974C-FA7C-E2E8-AF6650E7AEEB}"/>
-              </a:ext>
-            </a:extLst>
-          </p:cNvPr>
-          <p:cNvSpPr>
-            <a:spLocks noGrp="1"/>
-          </p:cNvSpPr>
-          <p:nvPr>
-            <p:ph type="title"/>
-          </p:nvPr>
-        </p:nvSpPr>
-        <p:spPr/>
-        <p:txBody>
-          <a:bodyPr/>
-          <a:lstStyle/>
-          <a:p>
-            <a:pPr algn="l" rtl="0"/>
-            <a:r>
-              <a:rPr lang="en-US" b="1" i="0" dirty="0">
-                <a:effectLst/>
-                <a:latin typeface="Söhne"/>
-              </a:rPr>
-              <a:t>Conclusion</a:t>
-            </a:r>
-            <a:endParaRPr lang="he-IL" b="1" dirty="0"/>
-          </a:p>
-        </p:txBody>
-      </p:sp>
-      <p:sp>
-        <p:nvSpPr>
-          <p:cNvPr id="3" name="מציין מיקום תוכן 2">
-            <a:extLst>
-              <a:ext uri="{FF2B5EF4-FFF2-40B4-BE49-F238E27FC236}">
-                <a16:creationId xmlns:a16="http://schemas.microsoft.com/office/drawing/2014/main" id="{7F14F459-9828-4041-D1A4-7B8F65E1CCBE}"/>
-              </a:ext>
-            </a:extLst>
-          </p:cNvPr>
-          <p:cNvSpPr>
-            <a:spLocks noGrp="1"/>
-          </p:cNvSpPr>
-          <p:nvPr>
-            <p:ph idx="1"/>
-          </p:nvPr>
-        </p:nvSpPr>
-        <p:spPr/>
-        <p:txBody>
-          <a:bodyPr/>
-          <a:lstStyle/>
-          <a:p>
-            <a:pPr algn="l" rtl="0"/>
-            <a:r>
-              <a:rPr lang="en-US" b="0" i="0" dirty="0">
-                <a:effectLst/>
-                <a:latin typeface="Söhne"/>
-              </a:rPr>
-              <a:t>Our project set out to predict whether a song will become a hit based on multiple factors.</a:t>
-            </a:r>
-          </a:p>
-          <a:p>
-            <a:pPr algn="l" rtl="0"/>
-            <a:r>
-              <a:rPr lang="en-US" b="0" i="0" dirty="0">
-                <a:effectLst/>
-                <a:latin typeface="Söhne"/>
-              </a:rPr>
-              <a:t>We scraped data from Wikipedia and enriched it with information from the Spotify API, cleaned the data, visualized it, and built prediction models.</a:t>
-            </a:r>
-            <a:endParaRPr lang="en-US" dirty="0">
-              <a:latin typeface="Söhne"/>
-            </a:endParaRPr>
-          </a:p>
-          <a:p>
-            <a:pPr algn="l" rtl="0"/>
-            <a:r>
-              <a:rPr lang="en-US" b="0" i="0" dirty="0">
-                <a:effectLst/>
-                <a:latin typeface="Söhne"/>
-              </a:rPr>
-              <a:t>We achieved an accuracy score of 0.889 in predicting hit songs.</a:t>
-            </a:r>
-          </a:p>
-          <a:p>
-            <a:pPr algn="l" rtl="0"/>
-            <a:r>
-              <a:rPr lang="en-US" b="0" i="0" dirty="0">
-                <a:effectLst/>
-                <a:latin typeface="Söhne"/>
-              </a:rPr>
-              <a:t>Our results suggest that machine learning can be used to predict which songs will become hits, which may have implications for the music industry.</a:t>
-            </a:r>
-            <a:endParaRPr lang="he-IL" dirty="0"/>
-          </a:p>
-        </p:txBody>
-      </p:sp>
-    </p:spTree>
-    <p:extLst>
-      <p:ext uri="{BB962C8B-B14F-4D97-AF65-F5344CB8AC3E}">
-        <p14:creationId xmlns:p14="http://schemas.microsoft.com/office/powerpoint/2010/main" val="3377815917"/>
-      </p:ext>
-    </p:extLst>
-  </p:cSld>
-  <p:clrMapOvr>
-    <a:masterClrMapping/>
-  </p:clrMapOvr>
-</p:sld>
-</file>
-
-<file path=ppt/slides/slide11.xml><?xml version="1.0" encoding="utf-8"?>
-<p:sld xmlns:a="http://schemas.openxmlformats.org/drawingml/2006/main" xmlns:r="http://schemas.openxmlformats.org/officeDocument/2006/relationships" xmlns:p="http://schemas.openxmlformats.org/presentationml/2006/main">
-  <p:cSld>
-    <p:spTree>
-      <p:nvGrpSpPr>
-        <p:cNvPr id="1" name=""/>
-        <p:cNvGrpSpPr/>
-        <p:nvPr/>
-      </p:nvGrpSpPr>
-      <p:grpSpPr>
-        <a:xfrm>
-          <a:off x="0" y="0"/>
-          <a:ext cx="0" cy="0"/>
-          <a:chOff x="0" y="0"/>
-          <a:chExt cx="0" cy="0"/>
-        </a:xfrm>
-      </p:grpSpPr>
-      <p:sp>
-        <p:nvSpPr>
-          <p:cNvPr id="2" name="כותרת 1">
-            <a:extLst>
-              <a:ext uri="{FF2B5EF4-FFF2-40B4-BE49-F238E27FC236}">
                 <a16:creationId xmlns:a16="http://schemas.microsoft.com/office/drawing/2014/main" id="{4F07CD1A-BE63-249C-08F1-0656F9DFB943}"/>
               </a:ext>
             </a:extLst>
@@ -3702,6 +3931,14 @@
 <file path=ppt/slides/slide2.xml><?xml version="1.0" encoding="utf-8"?>
 <p:sld xmlns:a="http://schemas.openxmlformats.org/drawingml/2006/main" xmlns:r="http://schemas.openxmlformats.org/officeDocument/2006/relationships" xmlns:p="http://schemas.openxmlformats.org/presentationml/2006/main">
   <p:cSld>
+    <p:bg>
+      <p:bgPr>
+        <a:solidFill>
+          <a:schemeClr val="bg1"/>
+        </a:solidFill>
+        <a:effectLst/>
+      </p:bgPr>
+    </p:bg>
     <p:spTree>
       <p:nvGrpSpPr>
         <p:cNvPr id="1" name=""/>
@@ -3716,6 +3953,66 @@
           <a:chExt cx="0" cy="0"/>
         </a:xfrm>
       </p:grpSpPr>
+      <p:sp useBgFill="1">
+        <p:nvSpPr>
+          <p:cNvPr id="51" name="Rectangle 46">
+            <a:extLst>
+              <a:ext uri="{FF2B5EF4-FFF2-40B4-BE49-F238E27FC236}">
+                <a16:creationId xmlns:a16="http://schemas.microsoft.com/office/drawing/2014/main" id="{743AA782-23D1-4521-8CAD-47662984AA08}"/>
+              </a:ext>
+              <a:ext uri="{C183D7F6-B498-43B3-948B-1728B52AA6E4}">
+                <adec:decorative xmlns:adec="http://schemas.microsoft.com/office/drawing/2017/decorative" val="1"/>
+              </a:ext>
+            </a:extLst>
+          </p:cNvPr>
+          <p:cNvSpPr>
+            <a:spLocks noGrp="1" noRot="1" noChangeAspect="1" noMove="1" noResize="1" noEditPoints="1" noAdjustHandles="1" noChangeArrowheads="1" noChangeShapeType="1" noTextEdit="1"/>
+          </p:cNvSpPr>
+          <p:nvPr>
+            <p:extLst>
+              <p:ext uri="{386F3935-93C4-4BCD-93E2-E3B085C9AB24}">
+                <p16:designElem xmlns:p16="http://schemas.microsoft.com/office/powerpoint/2015/main" val="1"/>
+              </p:ext>
+            </p:extLst>
+          </p:nvPr>
+        </p:nvSpPr>
+        <p:spPr>
+          <a:xfrm>
+            <a:off x="0" y="0"/>
+            <a:ext cx="12192000" cy="6858000"/>
+          </a:xfrm>
+          <a:prstGeom prst="rect">
+            <a:avLst/>
+          </a:prstGeom>
+          <a:ln>
+            <a:noFill/>
+          </a:ln>
+        </p:spPr>
+        <p:style>
+          <a:lnRef idx="2">
+            <a:schemeClr val="accent1">
+              <a:shade val="50000"/>
+            </a:schemeClr>
+          </a:lnRef>
+          <a:fillRef idx="1">
+            <a:schemeClr val="accent1"/>
+          </a:fillRef>
+          <a:effectRef idx="0">
+            <a:schemeClr val="accent1"/>
+          </a:effectRef>
+          <a:fontRef idx="minor">
+            <a:schemeClr val="lt1"/>
+          </a:fontRef>
+        </p:style>
+        <p:txBody>
+          <a:bodyPr rtlCol="0" anchor="ctr"/>
+          <a:lstStyle/>
+          <a:p>
+            <a:pPr algn="ctr"/>
+            <a:endParaRPr lang="en-US"/>
+          </a:p>
+        </p:txBody>
+      </p:sp>
       <p:sp>
         <p:nvSpPr>
           <p:cNvPr id="2" name="כותרת 1">
@@ -3732,20 +4029,300 @@
             <p:ph type="title"/>
           </p:nvPr>
         </p:nvSpPr>
-        <p:spPr/>
-        <p:txBody>
-          <a:bodyPr/>
-          <a:lstStyle/>
-          <a:p>
-            <a:pPr algn="l"/>
-            <a:r>
-              <a:rPr lang="en-US" b="1" i="0" dirty="0">
+        <p:spPr>
+          <a:xfrm>
+            <a:off x="630936" y="640080"/>
+            <a:ext cx="4818888" cy="1481328"/>
+          </a:xfrm>
+        </p:spPr>
+        <p:txBody>
+          <a:bodyPr anchor="b">
+            <a:normAutofit/>
+          </a:bodyPr>
+          <a:lstStyle/>
+          <a:p>
+            <a:pPr algn="l" rtl="0"/>
+            <a:r>
+              <a:rPr lang="en-US" sz="5000" b="1" i="0" dirty="0">
                 <a:effectLst/>
                 <a:latin typeface="Söhne"/>
               </a:rPr>
               <a:t>Research Question</a:t>
             </a:r>
-            <a:endParaRPr lang="he-IL" b="1" dirty="0"/>
+            <a:endParaRPr lang="he-IL" sz="5000" b="1" dirty="0"/>
+          </a:p>
+        </p:txBody>
+      </p:sp>
+      <p:sp>
+        <p:nvSpPr>
+          <p:cNvPr id="52" name="sketch line">
+            <a:extLst>
+              <a:ext uri="{FF2B5EF4-FFF2-40B4-BE49-F238E27FC236}">
+                <a16:creationId xmlns:a16="http://schemas.microsoft.com/office/drawing/2014/main" id="{71877DBC-BB60-40F0-AC93-2ACDBAAE60CE}"/>
+              </a:ext>
+              <a:ext uri="{C183D7F6-B498-43B3-948B-1728B52AA6E4}">
+                <adec:decorative xmlns:adec="http://schemas.microsoft.com/office/drawing/2017/decorative" val="1"/>
+              </a:ext>
+            </a:extLst>
+          </p:cNvPr>
+          <p:cNvSpPr>
+            <a:spLocks noGrp="1" noRot="1" noChangeAspect="1" noMove="1" noResize="1" noEditPoints="1" noAdjustHandles="1" noChangeArrowheads="1" noChangeShapeType="1" noTextEdit="1"/>
+          </p:cNvSpPr>
+          <p:nvPr>
+            <p:extLst>
+              <p:ext uri="{386F3935-93C4-4BCD-93E2-E3B085C9AB24}">
+                <p16:designElem xmlns:p16="http://schemas.microsoft.com/office/powerpoint/2015/main" val="1"/>
+              </p:ext>
+            </p:extLst>
+          </p:nvPr>
+        </p:nvSpPr>
+        <p:spPr>
+          <a:xfrm>
+            <a:off x="643278" y="2372868"/>
+            <a:ext cx="3255095" cy="18288"/>
+          </a:xfrm>
+          <a:custGeom>
+            <a:avLst/>
+            <a:gdLst>
+              <a:gd name="connsiteX0" fmla="*/ 0 w 3255095"/>
+              <a:gd name="connsiteY0" fmla="*/ 0 h 18288"/>
+              <a:gd name="connsiteX1" fmla="*/ 618468 w 3255095"/>
+              <a:gd name="connsiteY1" fmla="*/ 0 h 18288"/>
+              <a:gd name="connsiteX2" fmla="*/ 1269487 w 3255095"/>
+              <a:gd name="connsiteY2" fmla="*/ 0 h 18288"/>
+              <a:gd name="connsiteX3" fmla="*/ 1953057 w 3255095"/>
+              <a:gd name="connsiteY3" fmla="*/ 0 h 18288"/>
+              <a:gd name="connsiteX4" fmla="*/ 2636627 w 3255095"/>
+              <a:gd name="connsiteY4" fmla="*/ 0 h 18288"/>
+              <a:gd name="connsiteX5" fmla="*/ 3255095 w 3255095"/>
+              <a:gd name="connsiteY5" fmla="*/ 0 h 18288"/>
+              <a:gd name="connsiteX6" fmla="*/ 3255095 w 3255095"/>
+              <a:gd name="connsiteY6" fmla="*/ 18288 h 18288"/>
+              <a:gd name="connsiteX7" fmla="*/ 2538974 w 3255095"/>
+              <a:gd name="connsiteY7" fmla="*/ 18288 h 18288"/>
+              <a:gd name="connsiteX8" fmla="*/ 1822853 w 3255095"/>
+              <a:gd name="connsiteY8" fmla="*/ 18288 h 18288"/>
+              <a:gd name="connsiteX9" fmla="*/ 1171834 w 3255095"/>
+              <a:gd name="connsiteY9" fmla="*/ 18288 h 18288"/>
+              <a:gd name="connsiteX10" fmla="*/ 0 w 3255095"/>
+              <a:gd name="connsiteY10" fmla="*/ 18288 h 18288"/>
+              <a:gd name="connsiteX11" fmla="*/ 0 w 3255095"/>
+              <a:gd name="connsiteY11" fmla="*/ 0 h 18288"/>
+            </a:gdLst>
+            <a:ahLst/>
+            <a:cxnLst>
+              <a:cxn ang="0">
+                <a:pos x="connsiteX0" y="connsiteY0"/>
+              </a:cxn>
+              <a:cxn ang="0">
+                <a:pos x="connsiteX1" y="connsiteY1"/>
+              </a:cxn>
+              <a:cxn ang="0">
+                <a:pos x="connsiteX2" y="connsiteY2"/>
+              </a:cxn>
+              <a:cxn ang="0">
+                <a:pos x="connsiteX3" y="connsiteY3"/>
+              </a:cxn>
+              <a:cxn ang="0">
+                <a:pos x="connsiteX4" y="connsiteY4"/>
+              </a:cxn>
+              <a:cxn ang="0">
+                <a:pos x="connsiteX5" y="connsiteY5"/>
+              </a:cxn>
+              <a:cxn ang="0">
+                <a:pos x="connsiteX6" y="connsiteY6"/>
+              </a:cxn>
+              <a:cxn ang="0">
+                <a:pos x="connsiteX7" y="connsiteY7"/>
+              </a:cxn>
+              <a:cxn ang="0">
+                <a:pos x="connsiteX8" y="connsiteY8"/>
+              </a:cxn>
+              <a:cxn ang="0">
+                <a:pos x="connsiteX9" y="connsiteY9"/>
+              </a:cxn>
+              <a:cxn ang="0">
+                <a:pos x="connsiteX10" y="connsiteY10"/>
+              </a:cxn>
+              <a:cxn ang="0">
+                <a:pos x="connsiteX11" y="connsiteY11"/>
+              </a:cxn>
+            </a:cxnLst>
+            <a:rect l="l" t="t" r="r" b="b"/>
+            <a:pathLst>
+              <a:path w="3255095" h="18288" fill="none" extrusionOk="0">
+                <a:moveTo>
+                  <a:pt x="0" y="0"/>
+                </a:moveTo>
+                <a:cubicBezTo>
+                  <a:pt x="240201" y="-22123"/>
+                  <a:pt x="462021" y="-19623"/>
+                  <a:pt x="618468" y="0"/>
+                </a:cubicBezTo>
+                <a:cubicBezTo>
+                  <a:pt x="774915" y="19623"/>
+                  <a:pt x="974734" y="2035"/>
+                  <a:pt x="1269487" y="0"/>
+                </a:cubicBezTo>
+                <a:cubicBezTo>
+                  <a:pt x="1564240" y="-2035"/>
+                  <a:pt x="1733579" y="10639"/>
+                  <a:pt x="1953057" y="0"/>
+                </a:cubicBezTo>
+                <a:cubicBezTo>
+                  <a:pt x="2172535" y="-10639"/>
+                  <a:pt x="2453962" y="14018"/>
+                  <a:pt x="2636627" y="0"/>
+                </a:cubicBezTo>
+                <a:cubicBezTo>
+                  <a:pt x="2819292" y="-14018"/>
+                  <a:pt x="3121375" y="5399"/>
+                  <a:pt x="3255095" y="0"/>
+                </a:cubicBezTo>
+                <a:cubicBezTo>
+                  <a:pt x="3254386" y="8157"/>
+                  <a:pt x="3254682" y="12125"/>
+                  <a:pt x="3255095" y="18288"/>
+                </a:cubicBezTo>
+                <a:cubicBezTo>
+                  <a:pt x="3088545" y="23203"/>
+                  <a:pt x="2687475" y="7419"/>
+                  <a:pt x="2538974" y="18288"/>
+                </a:cubicBezTo>
+                <a:cubicBezTo>
+                  <a:pt x="2390473" y="29157"/>
+                  <a:pt x="2137381" y="-8959"/>
+                  <a:pt x="1822853" y="18288"/>
+                </a:cubicBezTo>
+                <a:cubicBezTo>
+                  <a:pt x="1508325" y="45535"/>
+                  <a:pt x="1466437" y="20385"/>
+                  <a:pt x="1171834" y="18288"/>
+                </a:cubicBezTo>
+                <a:cubicBezTo>
+                  <a:pt x="877231" y="16191"/>
+                  <a:pt x="561097" y="37643"/>
+                  <a:pt x="0" y="18288"/>
+                </a:cubicBezTo>
+                <a:cubicBezTo>
+                  <a:pt x="-46" y="12483"/>
+                  <a:pt x="-203" y="6491"/>
+                  <a:pt x="0" y="0"/>
+                </a:cubicBezTo>
+                <a:close/>
+              </a:path>
+              <a:path w="3255095" h="18288" stroke="0" extrusionOk="0">
+                <a:moveTo>
+                  <a:pt x="0" y="0"/>
+                </a:moveTo>
+                <a:cubicBezTo>
+                  <a:pt x="291965" y="19429"/>
+                  <a:pt x="363155" y="8568"/>
+                  <a:pt x="618468" y="0"/>
+                </a:cubicBezTo>
+                <a:cubicBezTo>
+                  <a:pt x="873781" y="-8568"/>
+                  <a:pt x="904459" y="-19505"/>
+                  <a:pt x="1171834" y="0"/>
+                </a:cubicBezTo>
+                <a:cubicBezTo>
+                  <a:pt x="1439209" y="19505"/>
+                  <a:pt x="1744369" y="9790"/>
+                  <a:pt x="1887955" y="0"/>
+                </a:cubicBezTo>
+                <a:cubicBezTo>
+                  <a:pt x="2031541" y="-9790"/>
+                  <a:pt x="2346378" y="21240"/>
+                  <a:pt x="2506423" y="0"/>
+                </a:cubicBezTo>
+                <a:cubicBezTo>
+                  <a:pt x="2666468" y="-21240"/>
+                  <a:pt x="2990257" y="30414"/>
+                  <a:pt x="3255095" y="0"/>
+                </a:cubicBezTo>
+                <a:cubicBezTo>
+                  <a:pt x="3254831" y="4493"/>
+                  <a:pt x="3255479" y="9472"/>
+                  <a:pt x="3255095" y="18288"/>
+                </a:cubicBezTo>
+                <a:cubicBezTo>
+                  <a:pt x="3120743" y="16690"/>
+                  <a:pt x="2759628" y="42462"/>
+                  <a:pt x="2604076" y="18288"/>
+                </a:cubicBezTo>
+                <a:cubicBezTo>
+                  <a:pt x="2448524" y="-5886"/>
+                  <a:pt x="2184336" y="19599"/>
+                  <a:pt x="1887955" y="18288"/>
+                </a:cubicBezTo>
+                <a:cubicBezTo>
+                  <a:pt x="1591574" y="16977"/>
+                  <a:pt x="1548845" y="6870"/>
+                  <a:pt x="1334589" y="18288"/>
+                </a:cubicBezTo>
+                <a:cubicBezTo>
+                  <a:pt x="1120333" y="29706"/>
+                  <a:pt x="996014" y="9662"/>
+                  <a:pt x="683570" y="18288"/>
+                </a:cubicBezTo>
+                <a:cubicBezTo>
+                  <a:pt x="371126" y="26914"/>
+                  <a:pt x="198687" y="16167"/>
+                  <a:pt x="0" y="18288"/>
+                </a:cubicBezTo>
+                <a:cubicBezTo>
+                  <a:pt x="843" y="9577"/>
+                  <a:pt x="371" y="6900"/>
+                  <a:pt x="0" y="0"/>
+                </a:cubicBezTo>
+                <a:close/>
+              </a:path>
+            </a:pathLst>
+          </a:custGeom>
+          <a:solidFill>
+            <a:schemeClr val="accent2"/>
+          </a:solidFill>
+          <a:ln w="38100" cap="rnd">
+            <a:solidFill>
+              <a:schemeClr val="accent2"/>
+            </a:solidFill>
+            <a:round/>
+            <a:extLst>
+              <a:ext uri="{C807C97D-BFC1-408E-A445-0C87EB9F89A2}">
+                <ask:lineSketchStyleProps xmlns:ask="http://schemas.microsoft.com/office/drawing/2018/sketchyshapes" sd="1219033472">
+                  <a:prstGeom prst="rect">
+                    <a:avLst/>
+                  </a:prstGeom>
+                  <ask:type>
+                    <ask:lineSketchFreehand/>
+                  </ask:type>
+                </ask:lineSketchStyleProps>
+              </a:ext>
+            </a:extLst>
+          </a:ln>
+        </p:spPr>
+        <p:style>
+          <a:lnRef idx="2">
+            <a:schemeClr val="accent1">
+              <a:shade val="50000"/>
+            </a:schemeClr>
+          </a:lnRef>
+          <a:fillRef idx="1">
+            <a:schemeClr val="accent1"/>
+          </a:fillRef>
+          <a:effectRef idx="0">
+            <a:schemeClr val="accent1"/>
+          </a:effectRef>
+          <a:fontRef idx="minor">
+            <a:schemeClr val="lt1"/>
+          </a:fontRef>
+        </p:style>
+        <p:txBody>
+          <a:bodyPr rtlCol="0" anchor="ctr"/>
+          <a:lstStyle/>
+          <a:p>
+            <a:pPr algn="ctr"/>
+            <a:endParaRPr lang="en-US"/>
           </a:p>
         </p:txBody>
       </p:sp>
@@ -3765,14 +4342,23 @@
             <p:ph idx="1"/>
           </p:nvPr>
         </p:nvSpPr>
-        <p:spPr/>
-        <p:txBody>
-          <a:bodyPr/>
-          <a:lstStyle/>
-          <a:p>
-            <a:pPr algn="l" rtl="0"/>
-            <a:r>
-              <a:rPr lang="en-US" b="0" i="0" dirty="0">
+        <p:spPr>
+          <a:xfrm>
+            <a:off x="630936" y="2660904"/>
+            <a:ext cx="4818888" cy="3547872"/>
+          </a:xfrm>
+        </p:spPr>
+        <p:txBody>
+          <a:bodyPr anchor="t">
+            <a:normAutofit/>
+          </a:bodyPr>
+          <a:lstStyle/>
+          <a:p>
+            <a:pPr marL="0" indent="0" algn="l" rtl="0">
+              <a:buNone/>
+            </a:pPr>
+            <a:r>
+              <a:rPr lang="en-US" sz="2200" b="0" i="0" dirty="0">
                 <a:effectLst/>
                 <a:latin typeface="Söhne"/>
               </a:rPr>
@@ -3781,6 +4367,41 @@
           </a:p>
         </p:txBody>
       </p:sp>
+      <p:pic>
+        <p:nvPicPr>
+          <p:cNvPr id="5" name="תמונה 4">
+            <a:extLst>
+              <a:ext uri="{FF2B5EF4-FFF2-40B4-BE49-F238E27FC236}">
+                <a16:creationId xmlns:a16="http://schemas.microsoft.com/office/drawing/2014/main" id="{A8D20E48-E309-3156-4168-308657F40A6F}"/>
+              </a:ext>
+            </a:extLst>
+          </p:cNvPr>
+          <p:cNvPicPr>
+            <a:picLocks noChangeAspect="1"/>
+          </p:cNvPicPr>
+          <p:nvPr/>
+        </p:nvPicPr>
+        <p:blipFill rotWithShape="1">
+          <a:blip r:embed="rId2">
+            <a:extLst>
+              <a:ext uri="{28A0092B-C50C-407E-A947-70E740481C1C}">
+                <a14:useLocalDpi xmlns:a14="http://schemas.microsoft.com/office/drawing/2010/main" val="0"/>
+              </a:ext>
+            </a:extLst>
+          </a:blip>
+          <a:srcRect l="22091" r="24749"/>
+          <a:stretch/>
+        </p:blipFill>
+        <p:spPr>
+          <a:xfrm>
+            <a:off x="6099048" y="707731"/>
+            <a:ext cx="5458968" cy="5442537"/>
+          </a:xfrm>
+          <a:prstGeom prst="rect">
+            <a:avLst/>
+          </a:prstGeom>
+        </p:spPr>
+      </p:pic>
     </p:spTree>
     <p:extLst>
       <p:ext uri="{BB962C8B-B14F-4D97-AF65-F5344CB8AC3E}">
@@ -3797,6 +4418,14 @@
 <file path=ppt/slides/slide3.xml><?xml version="1.0" encoding="utf-8"?>
 <p:sld xmlns:a="http://schemas.openxmlformats.org/drawingml/2006/main" xmlns:r="http://schemas.openxmlformats.org/officeDocument/2006/relationships" xmlns:p="http://schemas.openxmlformats.org/presentationml/2006/main">
   <p:cSld>
+    <p:bg>
+      <p:bgPr>
+        <a:solidFill>
+          <a:schemeClr val="bg1"/>
+        </a:solidFill>
+        <a:effectLst/>
+      </p:bgPr>
+    </p:bg>
     <p:spTree>
       <p:nvGrpSpPr>
         <p:cNvPr id="1" name=""/>
@@ -3811,6 +4440,66 @@
           <a:chExt cx="0" cy="0"/>
         </a:xfrm>
       </p:grpSpPr>
+      <p:sp useBgFill="1">
+        <p:nvSpPr>
+          <p:cNvPr id="10" name="Rectangle 9">
+            <a:extLst>
+              <a:ext uri="{FF2B5EF4-FFF2-40B4-BE49-F238E27FC236}">
+                <a16:creationId xmlns:a16="http://schemas.microsoft.com/office/drawing/2014/main" id="{743AA782-23D1-4521-8CAD-47662984AA08}"/>
+              </a:ext>
+              <a:ext uri="{C183D7F6-B498-43B3-948B-1728B52AA6E4}">
+                <adec:decorative xmlns:adec="http://schemas.microsoft.com/office/drawing/2017/decorative" val="1"/>
+              </a:ext>
+            </a:extLst>
+          </p:cNvPr>
+          <p:cNvSpPr>
+            <a:spLocks noGrp="1" noRot="1" noChangeAspect="1" noMove="1" noResize="1" noEditPoints="1" noAdjustHandles="1" noChangeArrowheads="1" noChangeShapeType="1" noTextEdit="1"/>
+          </p:cNvSpPr>
+          <p:nvPr>
+            <p:extLst>
+              <p:ext uri="{386F3935-93C4-4BCD-93E2-E3B085C9AB24}">
+                <p16:designElem xmlns:p16="http://schemas.microsoft.com/office/powerpoint/2015/main" val="1"/>
+              </p:ext>
+            </p:extLst>
+          </p:nvPr>
+        </p:nvSpPr>
+        <p:spPr>
+          <a:xfrm>
+            <a:off x="0" y="0"/>
+            <a:ext cx="12192000" cy="6858000"/>
+          </a:xfrm>
+          <a:prstGeom prst="rect">
+            <a:avLst/>
+          </a:prstGeom>
+          <a:ln>
+            <a:noFill/>
+          </a:ln>
+        </p:spPr>
+        <p:style>
+          <a:lnRef idx="2">
+            <a:schemeClr val="accent1">
+              <a:shade val="50000"/>
+            </a:schemeClr>
+          </a:lnRef>
+          <a:fillRef idx="1">
+            <a:schemeClr val="accent1"/>
+          </a:fillRef>
+          <a:effectRef idx="0">
+            <a:schemeClr val="accent1"/>
+          </a:effectRef>
+          <a:fontRef idx="minor">
+            <a:schemeClr val="lt1"/>
+          </a:fontRef>
+        </p:style>
+        <p:txBody>
+          <a:bodyPr rtlCol="0" anchor="ctr"/>
+          <a:lstStyle/>
+          <a:p>
+            <a:pPr algn="ctr"/>
+            <a:endParaRPr lang="en-US"/>
+          </a:p>
+        </p:txBody>
+      </p:sp>
       <p:sp>
         <p:nvSpPr>
           <p:cNvPr id="2" name="כותרת 1">
@@ -3827,20 +4516,300 @@
             <p:ph type="title"/>
           </p:nvPr>
         </p:nvSpPr>
-        <p:spPr/>
-        <p:txBody>
-          <a:bodyPr/>
-          <a:lstStyle/>
-          <a:p>
-            <a:pPr algn="l"/>
-            <a:r>
-              <a:rPr lang="en-US" b="1" i="0" dirty="0">
+        <p:spPr>
+          <a:xfrm>
+            <a:off x="630936" y="640080"/>
+            <a:ext cx="4818888" cy="1481328"/>
+          </a:xfrm>
+        </p:spPr>
+        <p:txBody>
+          <a:bodyPr anchor="b">
+            <a:normAutofit/>
+          </a:bodyPr>
+          <a:lstStyle/>
+          <a:p>
+            <a:pPr algn="l" rtl="0"/>
+            <a:r>
+              <a:rPr lang="en-US" sz="5000" b="1" i="0" dirty="0">
                 <a:effectLst/>
                 <a:latin typeface="Söhne"/>
               </a:rPr>
               <a:t>Data Collection: Scraping</a:t>
             </a:r>
-            <a:endParaRPr lang="he-IL" b="1" dirty="0"/>
+            <a:endParaRPr lang="he-IL" sz="5000" b="1" dirty="0"/>
+          </a:p>
+        </p:txBody>
+      </p:sp>
+      <p:sp>
+        <p:nvSpPr>
+          <p:cNvPr id="12" name="sketch line">
+            <a:extLst>
+              <a:ext uri="{FF2B5EF4-FFF2-40B4-BE49-F238E27FC236}">
+                <a16:creationId xmlns:a16="http://schemas.microsoft.com/office/drawing/2014/main" id="{71877DBC-BB60-40F0-AC93-2ACDBAAE60CE}"/>
+              </a:ext>
+              <a:ext uri="{C183D7F6-B498-43B3-948B-1728B52AA6E4}">
+                <adec:decorative xmlns:adec="http://schemas.microsoft.com/office/drawing/2017/decorative" val="1"/>
+              </a:ext>
+            </a:extLst>
+          </p:cNvPr>
+          <p:cNvSpPr>
+            <a:spLocks noGrp="1" noRot="1" noChangeAspect="1" noMove="1" noResize="1" noEditPoints="1" noAdjustHandles="1" noChangeArrowheads="1" noChangeShapeType="1" noTextEdit="1"/>
+          </p:cNvSpPr>
+          <p:nvPr>
+            <p:extLst>
+              <p:ext uri="{386F3935-93C4-4BCD-93E2-E3B085C9AB24}">
+                <p16:designElem xmlns:p16="http://schemas.microsoft.com/office/powerpoint/2015/main" val="1"/>
+              </p:ext>
+            </p:extLst>
+          </p:nvPr>
+        </p:nvSpPr>
+        <p:spPr>
+          <a:xfrm>
+            <a:off x="643278" y="2372868"/>
+            <a:ext cx="3255095" cy="18288"/>
+          </a:xfrm>
+          <a:custGeom>
+            <a:avLst/>
+            <a:gdLst>
+              <a:gd name="connsiteX0" fmla="*/ 0 w 3255095"/>
+              <a:gd name="connsiteY0" fmla="*/ 0 h 18288"/>
+              <a:gd name="connsiteX1" fmla="*/ 618468 w 3255095"/>
+              <a:gd name="connsiteY1" fmla="*/ 0 h 18288"/>
+              <a:gd name="connsiteX2" fmla="*/ 1269487 w 3255095"/>
+              <a:gd name="connsiteY2" fmla="*/ 0 h 18288"/>
+              <a:gd name="connsiteX3" fmla="*/ 1953057 w 3255095"/>
+              <a:gd name="connsiteY3" fmla="*/ 0 h 18288"/>
+              <a:gd name="connsiteX4" fmla="*/ 2636627 w 3255095"/>
+              <a:gd name="connsiteY4" fmla="*/ 0 h 18288"/>
+              <a:gd name="connsiteX5" fmla="*/ 3255095 w 3255095"/>
+              <a:gd name="connsiteY5" fmla="*/ 0 h 18288"/>
+              <a:gd name="connsiteX6" fmla="*/ 3255095 w 3255095"/>
+              <a:gd name="connsiteY6" fmla="*/ 18288 h 18288"/>
+              <a:gd name="connsiteX7" fmla="*/ 2538974 w 3255095"/>
+              <a:gd name="connsiteY7" fmla="*/ 18288 h 18288"/>
+              <a:gd name="connsiteX8" fmla="*/ 1822853 w 3255095"/>
+              <a:gd name="connsiteY8" fmla="*/ 18288 h 18288"/>
+              <a:gd name="connsiteX9" fmla="*/ 1171834 w 3255095"/>
+              <a:gd name="connsiteY9" fmla="*/ 18288 h 18288"/>
+              <a:gd name="connsiteX10" fmla="*/ 0 w 3255095"/>
+              <a:gd name="connsiteY10" fmla="*/ 18288 h 18288"/>
+              <a:gd name="connsiteX11" fmla="*/ 0 w 3255095"/>
+              <a:gd name="connsiteY11" fmla="*/ 0 h 18288"/>
+            </a:gdLst>
+            <a:ahLst/>
+            <a:cxnLst>
+              <a:cxn ang="0">
+                <a:pos x="connsiteX0" y="connsiteY0"/>
+              </a:cxn>
+              <a:cxn ang="0">
+                <a:pos x="connsiteX1" y="connsiteY1"/>
+              </a:cxn>
+              <a:cxn ang="0">
+                <a:pos x="connsiteX2" y="connsiteY2"/>
+              </a:cxn>
+              <a:cxn ang="0">
+                <a:pos x="connsiteX3" y="connsiteY3"/>
+              </a:cxn>
+              <a:cxn ang="0">
+                <a:pos x="connsiteX4" y="connsiteY4"/>
+              </a:cxn>
+              <a:cxn ang="0">
+                <a:pos x="connsiteX5" y="connsiteY5"/>
+              </a:cxn>
+              <a:cxn ang="0">
+                <a:pos x="connsiteX6" y="connsiteY6"/>
+              </a:cxn>
+              <a:cxn ang="0">
+                <a:pos x="connsiteX7" y="connsiteY7"/>
+              </a:cxn>
+              <a:cxn ang="0">
+                <a:pos x="connsiteX8" y="connsiteY8"/>
+              </a:cxn>
+              <a:cxn ang="0">
+                <a:pos x="connsiteX9" y="connsiteY9"/>
+              </a:cxn>
+              <a:cxn ang="0">
+                <a:pos x="connsiteX10" y="connsiteY10"/>
+              </a:cxn>
+              <a:cxn ang="0">
+                <a:pos x="connsiteX11" y="connsiteY11"/>
+              </a:cxn>
+            </a:cxnLst>
+            <a:rect l="l" t="t" r="r" b="b"/>
+            <a:pathLst>
+              <a:path w="3255095" h="18288" fill="none" extrusionOk="0">
+                <a:moveTo>
+                  <a:pt x="0" y="0"/>
+                </a:moveTo>
+                <a:cubicBezTo>
+                  <a:pt x="240201" y="-22123"/>
+                  <a:pt x="462021" y="-19623"/>
+                  <a:pt x="618468" y="0"/>
+                </a:cubicBezTo>
+                <a:cubicBezTo>
+                  <a:pt x="774915" y="19623"/>
+                  <a:pt x="974734" y="2035"/>
+                  <a:pt x="1269487" y="0"/>
+                </a:cubicBezTo>
+                <a:cubicBezTo>
+                  <a:pt x="1564240" y="-2035"/>
+                  <a:pt x="1733579" y="10639"/>
+                  <a:pt x="1953057" y="0"/>
+                </a:cubicBezTo>
+                <a:cubicBezTo>
+                  <a:pt x="2172535" y="-10639"/>
+                  <a:pt x="2453962" y="14018"/>
+                  <a:pt x="2636627" y="0"/>
+                </a:cubicBezTo>
+                <a:cubicBezTo>
+                  <a:pt x="2819292" y="-14018"/>
+                  <a:pt x="3121375" y="5399"/>
+                  <a:pt x="3255095" y="0"/>
+                </a:cubicBezTo>
+                <a:cubicBezTo>
+                  <a:pt x="3254386" y="8157"/>
+                  <a:pt x="3254682" y="12125"/>
+                  <a:pt x="3255095" y="18288"/>
+                </a:cubicBezTo>
+                <a:cubicBezTo>
+                  <a:pt x="3088545" y="23203"/>
+                  <a:pt x="2687475" y="7419"/>
+                  <a:pt x="2538974" y="18288"/>
+                </a:cubicBezTo>
+                <a:cubicBezTo>
+                  <a:pt x="2390473" y="29157"/>
+                  <a:pt x="2137381" y="-8959"/>
+                  <a:pt x="1822853" y="18288"/>
+                </a:cubicBezTo>
+                <a:cubicBezTo>
+                  <a:pt x="1508325" y="45535"/>
+                  <a:pt x="1466437" y="20385"/>
+                  <a:pt x="1171834" y="18288"/>
+                </a:cubicBezTo>
+                <a:cubicBezTo>
+                  <a:pt x="877231" y="16191"/>
+                  <a:pt x="561097" y="37643"/>
+                  <a:pt x="0" y="18288"/>
+                </a:cubicBezTo>
+                <a:cubicBezTo>
+                  <a:pt x="-46" y="12483"/>
+                  <a:pt x="-203" y="6491"/>
+                  <a:pt x="0" y="0"/>
+                </a:cubicBezTo>
+                <a:close/>
+              </a:path>
+              <a:path w="3255095" h="18288" stroke="0" extrusionOk="0">
+                <a:moveTo>
+                  <a:pt x="0" y="0"/>
+                </a:moveTo>
+                <a:cubicBezTo>
+                  <a:pt x="291965" y="19429"/>
+                  <a:pt x="363155" y="8568"/>
+                  <a:pt x="618468" y="0"/>
+                </a:cubicBezTo>
+                <a:cubicBezTo>
+                  <a:pt x="873781" y="-8568"/>
+                  <a:pt x="904459" y="-19505"/>
+                  <a:pt x="1171834" y="0"/>
+                </a:cubicBezTo>
+                <a:cubicBezTo>
+                  <a:pt x="1439209" y="19505"/>
+                  <a:pt x="1744369" y="9790"/>
+                  <a:pt x="1887955" y="0"/>
+                </a:cubicBezTo>
+                <a:cubicBezTo>
+                  <a:pt x="2031541" y="-9790"/>
+                  <a:pt x="2346378" y="21240"/>
+                  <a:pt x="2506423" y="0"/>
+                </a:cubicBezTo>
+                <a:cubicBezTo>
+                  <a:pt x="2666468" y="-21240"/>
+                  <a:pt x="2990257" y="30414"/>
+                  <a:pt x="3255095" y="0"/>
+                </a:cubicBezTo>
+                <a:cubicBezTo>
+                  <a:pt x="3254831" y="4493"/>
+                  <a:pt x="3255479" y="9472"/>
+                  <a:pt x="3255095" y="18288"/>
+                </a:cubicBezTo>
+                <a:cubicBezTo>
+                  <a:pt x="3120743" y="16690"/>
+                  <a:pt x="2759628" y="42462"/>
+                  <a:pt x="2604076" y="18288"/>
+                </a:cubicBezTo>
+                <a:cubicBezTo>
+                  <a:pt x="2448524" y="-5886"/>
+                  <a:pt x="2184336" y="19599"/>
+                  <a:pt x="1887955" y="18288"/>
+                </a:cubicBezTo>
+                <a:cubicBezTo>
+                  <a:pt x="1591574" y="16977"/>
+                  <a:pt x="1548845" y="6870"/>
+                  <a:pt x="1334589" y="18288"/>
+                </a:cubicBezTo>
+                <a:cubicBezTo>
+                  <a:pt x="1120333" y="29706"/>
+                  <a:pt x="996014" y="9662"/>
+                  <a:pt x="683570" y="18288"/>
+                </a:cubicBezTo>
+                <a:cubicBezTo>
+                  <a:pt x="371126" y="26914"/>
+                  <a:pt x="198687" y="16167"/>
+                  <a:pt x="0" y="18288"/>
+                </a:cubicBezTo>
+                <a:cubicBezTo>
+                  <a:pt x="843" y="9577"/>
+                  <a:pt x="371" y="6900"/>
+                  <a:pt x="0" y="0"/>
+                </a:cubicBezTo>
+                <a:close/>
+              </a:path>
+            </a:pathLst>
+          </a:custGeom>
+          <a:solidFill>
+            <a:schemeClr val="accent2"/>
+          </a:solidFill>
+          <a:ln w="38100" cap="rnd">
+            <a:solidFill>
+              <a:schemeClr val="accent2"/>
+            </a:solidFill>
+            <a:round/>
+            <a:extLst>
+              <a:ext uri="{C807C97D-BFC1-408E-A445-0C87EB9F89A2}">
+                <ask:lineSketchStyleProps xmlns:ask="http://schemas.microsoft.com/office/drawing/2018/sketchyshapes" sd="1219033472">
+                  <a:prstGeom prst="rect">
+                    <a:avLst/>
+                  </a:prstGeom>
+                  <ask:type>
+                    <ask:lineSketchFreehand/>
+                  </ask:type>
+                </ask:lineSketchStyleProps>
+              </a:ext>
+            </a:extLst>
+          </a:ln>
+        </p:spPr>
+        <p:style>
+          <a:lnRef idx="2">
+            <a:schemeClr val="accent1">
+              <a:shade val="50000"/>
+            </a:schemeClr>
+          </a:lnRef>
+          <a:fillRef idx="1">
+            <a:schemeClr val="accent1"/>
+          </a:fillRef>
+          <a:effectRef idx="0">
+            <a:schemeClr val="accent1"/>
+          </a:effectRef>
+          <a:fontRef idx="minor">
+            <a:schemeClr val="lt1"/>
+          </a:fontRef>
+        </p:style>
+        <p:txBody>
+          <a:bodyPr rtlCol="0" anchor="ctr"/>
+          <a:lstStyle/>
+          <a:p>
+            <a:pPr algn="ctr"/>
+            <a:endParaRPr lang="en-US"/>
           </a:p>
         </p:txBody>
       </p:sp>
@@ -3860,51 +4829,96 @@
             <p:ph idx="1"/>
           </p:nvPr>
         </p:nvSpPr>
-        <p:spPr/>
-        <p:txBody>
-          <a:bodyPr/>
-          <a:lstStyle/>
-          <a:p>
-            <a:pPr algn="l" rtl="0"/>
-            <a:r>
-              <a:rPr lang="en-US" b="0" i="0" dirty="0">
+        <p:spPr>
+          <a:xfrm>
+            <a:off x="630936" y="2660904"/>
+            <a:ext cx="4818888" cy="3547872"/>
+          </a:xfrm>
+        </p:spPr>
+        <p:txBody>
+          <a:bodyPr anchor="t">
+            <a:normAutofit/>
+          </a:bodyPr>
+          <a:lstStyle/>
+          <a:p>
+            <a:pPr marL="0" indent="0" algn="l" rtl="0">
+              <a:buNone/>
+            </a:pPr>
+            <a:r>
+              <a:rPr lang="en-US" sz="2200" b="0" i="0" dirty="0">
                 <a:effectLst/>
                 <a:latin typeface="Söhne"/>
               </a:rPr>
               <a:t>We used </a:t>
             </a:r>
             <a:r>
-              <a:rPr lang="en-US" b="0" i="0" u="sng" dirty="0">
+              <a:rPr lang="en-US" sz="2200" b="0" i="0" u="sng" dirty="0">
                 <a:effectLst/>
                 <a:latin typeface="Söhne"/>
               </a:rPr>
               <a:t>Beautiful Soup </a:t>
             </a:r>
             <a:r>
-              <a:rPr lang="en-US" b="0" i="0" dirty="0">
+              <a:rPr lang="en-US" sz="2200" b="0" i="0" dirty="0">
                 <a:effectLst/>
                 <a:latin typeface="Söhne"/>
               </a:rPr>
               <a:t>and </a:t>
             </a:r>
             <a:r>
-              <a:rPr lang="en-US" b="0" i="0" u="sng" dirty="0">
+              <a:rPr lang="en-US" sz="2200" b="0" i="0" u="sng" dirty="0">
                 <a:effectLst/>
                 <a:latin typeface="Söhne"/>
               </a:rPr>
               <a:t>requests</a:t>
             </a:r>
             <a:r>
-              <a:rPr lang="en-US" b="0" i="0" dirty="0">
+              <a:rPr lang="en-US" sz="2200" b="0" i="0" dirty="0">
                 <a:effectLst/>
                 <a:latin typeface="Söhne"/>
               </a:rPr>
               <a:t> to scrape Wikipedia for a list of top songs and artists for each year from the 1950’s all the way to 2023!</a:t>
             </a:r>
-            <a:endParaRPr lang="he-IL" dirty="0"/>
-          </a:p>
-        </p:txBody>
-      </p:sp>
+            <a:endParaRPr lang="he-IL" sz="2200" dirty="0"/>
+          </a:p>
+        </p:txBody>
+      </p:sp>
+      <p:pic>
+        <p:nvPicPr>
+          <p:cNvPr id="5" name="תמונה 4">
+            <a:extLst>
+              <a:ext uri="{FF2B5EF4-FFF2-40B4-BE49-F238E27FC236}">
+                <a16:creationId xmlns:a16="http://schemas.microsoft.com/office/drawing/2014/main" id="{FE16DAFB-684D-2B0D-E173-66099EF48FFF}"/>
+              </a:ext>
+            </a:extLst>
+          </p:cNvPr>
+          <p:cNvPicPr>
+            <a:picLocks noChangeAspect="1"/>
+          </p:cNvPicPr>
+          <p:nvPr/>
+        </p:nvPicPr>
+        <p:blipFill>
+          <a:blip r:embed="rId2">
+            <a:extLst>
+              <a:ext uri="{28A0092B-C50C-407E-A947-70E740481C1C}">
+                <a14:useLocalDpi xmlns:a14="http://schemas.microsoft.com/office/drawing/2010/main" val="0"/>
+              </a:ext>
+            </a:extLst>
+          </a:blip>
+          <a:stretch>
+            <a:fillRect/>
+          </a:stretch>
+        </p:blipFill>
+        <p:spPr>
+          <a:xfrm>
+            <a:off x="6099048" y="2105200"/>
+            <a:ext cx="5458968" cy="2647599"/>
+          </a:xfrm>
+          <a:prstGeom prst="rect">
+            <a:avLst/>
+          </a:prstGeom>
+        </p:spPr>
+      </p:pic>
     </p:spTree>
     <p:extLst>
       <p:ext uri="{BB962C8B-B14F-4D97-AF65-F5344CB8AC3E}">
@@ -3921,6 +4935,14 @@
 <file path=ppt/slides/slide4.xml><?xml version="1.0" encoding="utf-8"?>
 <p:sld xmlns:a="http://schemas.openxmlformats.org/drawingml/2006/main" xmlns:r="http://schemas.openxmlformats.org/officeDocument/2006/relationships" xmlns:p="http://schemas.openxmlformats.org/presentationml/2006/main">
   <p:cSld>
+    <p:bg>
+      <p:bgPr>
+        <a:solidFill>
+          <a:schemeClr val="bg1"/>
+        </a:solidFill>
+        <a:effectLst/>
+      </p:bgPr>
+    </p:bg>
     <p:spTree>
       <p:nvGrpSpPr>
         <p:cNvPr id="1" name=""/>
@@ -3935,6 +4957,66 @@
           <a:chExt cx="0" cy="0"/>
         </a:xfrm>
       </p:grpSpPr>
+      <p:sp useBgFill="1">
+        <p:nvSpPr>
+          <p:cNvPr id="10" name="Rectangle 9">
+            <a:extLst>
+              <a:ext uri="{FF2B5EF4-FFF2-40B4-BE49-F238E27FC236}">
+                <a16:creationId xmlns:a16="http://schemas.microsoft.com/office/drawing/2014/main" id="{743AA782-23D1-4521-8CAD-47662984AA08}"/>
+              </a:ext>
+              <a:ext uri="{C183D7F6-B498-43B3-948B-1728B52AA6E4}">
+                <adec:decorative xmlns:adec="http://schemas.microsoft.com/office/drawing/2017/decorative" val="1"/>
+              </a:ext>
+            </a:extLst>
+          </p:cNvPr>
+          <p:cNvSpPr>
+            <a:spLocks noGrp="1" noRot="1" noChangeAspect="1" noMove="1" noResize="1" noEditPoints="1" noAdjustHandles="1" noChangeArrowheads="1" noChangeShapeType="1" noTextEdit="1"/>
+          </p:cNvSpPr>
+          <p:nvPr>
+            <p:extLst>
+              <p:ext uri="{386F3935-93C4-4BCD-93E2-E3B085C9AB24}">
+                <p16:designElem xmlns:p16="http://schemas.microsoft.com/office/powerpoint/2015/main" val="1"/>
+              </p:ext>
+            </p:extLst>
+          </p:nvPr>
+        </p:nvSpPr>
+        <p:spPr>
+          <a:xfrm>
+            <a:off x="0" y="0"/>
+            <a:ext cx="12192000" cy="6858000"/>
+          </a:xfrm>
+          <a:prstGeom prst="rect">
+            <a:avLst/>
+          </a:prstGeom>
+          <a:ln>
+            <a:noFill/>
+          </a:ln>
+        </p:spPr>
+        <p:style>
+          <a:lnRef idx="2">
+            <a:schemeClr val="accent1">
+              <a:shade val="50000"/>
+            </a:schemeClr>
+          </a:lnRef>
+          <a:fillRef idx="1">
+            <a:schemeClr val="accent1"/>
+          </a:fillRef>
+          <a:effectRef idx="0">
+            <a:schemeClr val="accent1"/>
+          </a:effectRef>
+          <a:fontRef idx="minor">
+            <a:schemeClr val="lt1"/>
+          </a:fontRef>
+        </p:style>
+        <p:txBody>
+          <a:bodyPr rtlCol="0" anchor="ctr"/>
+          <a:lstStyle/>
+          <a:p>
+            <a:pPr algn="ctr"/>
+            <a:endParaRPr lang="en-US"/>
+          </a:p>
+        </p:txBody>
+      </p:sp>
       <p:sp>
         <p:nvSpPr>
           <p:cNvPr id="2" name="כותרת 1">
@@ -3951,20 +5033,300 @@
             <p:ph type="title"/>
           </p:nvPr>
         </p:nvSpPr>
-        <p:spPr/>
-        <p:txBody>
-          <a:bodyPr/>
-          <a:lstStyle/>
-          <a:p>
-            <a:pPr algn="l"/>
-            <a:r>
-              <a:rPr lang="en-US" b="1" i="0" dirty="0">
+        <p:spPr>
+          <a:xfrm>
+            <a:off x="630936" y="640080"/>
+            <a:ext cx="4818888" cy="1481328"/>
+          </a:xfrm>
+        </p:spPr>
+        <p:txBody>
+          <a:bodyPr anchor="b">
+            <a:normAutofit/>
+          </a:bodyPr>
+          <a:lstStyle/>
+          <a:p>
+            <a:pPr algn="l" rtl="0"/>
+            <a:r>
+              <a:rPr lang="en-US" sz="5000" b="1" i="0" dirty="0">
                 <a:effectLst/>
                 <a:latin typeface="Söhne"/>
               </a:rPr>
               <a:t>Data Collection: API</a:t>
             </a:r>
-            <a:endParaRPr lang="he-IL" dirty="0"/>
+            <a:endParaRPr lang="he-IL" sz="5000" dirty="0"/>
+          </a:p>
+        </p:txBody>
+      </p:sp>
+      <p:sp>
+        <p:nvSpPr>
+          <p:cNvPr id="12" name="sketch line">
+            <a:extLst>
+              <a:ext uri="{FF2B5EF4-FFF2-40B4-BE49-F238E27FC236}">
+                <a16:creationId xmlns:a16="http://schemas.microsoft.com/office/drawing/2014/main" id="{71877DBC-BB60-40F0-AC93-2ACDBAAE60CE}"/>
+              </a:ext>
+              <a:ext uri="{C183D7F6-B498-43B3-948B-1728B52AA6E4}">
+                <adec:decorative xmlns:adec="http://schemas.microsoft.com/office/drawing/2017/decorative" val="1"/>
+              </a:ext>
+            </a:extLst>
+          </p:cNvPr>
+          <p:cNvSpPr>
+            <a:spLocks noGrp="1" noRot="1" noChangeAspect="1" noMove="1" noResize="1" noEditPoints="1" noAdjustHandles="1" noChangeArrowheads="1" noChangeShapeType="1" noTextEdit="1"/>
+          </p:cNvSpPr>
+          <p:nvPr>
+            <p:extLst>
+              <p:ext uri="{386F3935-93C4-4BCD-93E2-E3B085C9AB24}">
+                <p16:designElem xmlns:p16="http://schemas.microsoft.com/office/powerpoint/2015/main" val="1"/>
+              </p:ext>
+            </p:extLst>
+          </p:nvPr>
+        </p:nvSpPr>
+        <p:spPr>
+          <a:xfrm>
+            <a:off x="643278" y="2372868"/>
+            <a:ext cx="3255095" cy="18288"/>
+          </a:xfrm>
+          <a:custGeom>
+            <a:avLst/>
+            <a:gdLst>
+              <a:gd name="connsiteX0" fmla="*/ 0 w 3255095"/>
+              <a:gd name="connsiteY0" fmla="*/ 0 h 18288"/>
+              <a:gd name="connsiteX1" fmla="*/ 618468 w 3255095"/>
+              <a:gd name="connsiteY1" fmla="*/ 0 h 18288"/>
+              <a:gd name="connsiteX2" fmla="*/ 1269487 w 3255095"/>
+              <a:gd name="connsiteY2" fmla="*/ 0 h 18288"/>
+              <a:gd name="connsiteX3" fmla="*/ 1953057 w 3255095"/>
+              <a:gd name="connsiteY3" fmla="*/ 0 h 18288"/>
+              <a:gd name="connsiteX4" fmla="*/ 2636627 w 3255095"/>
+              <a:gd name="connsiteY4" fmla="*/ 0 h 18288"/>
+              <a:gd name="connsiteX5" fmla="*/ 3255095 w 3255095"/>
+              <a:gd name="connsiteY5" fmla="*/ 0 h 18288"/>
+              <a:gd name="connsiteX6" fmla="*/ 3255095 w 3255095"/>
+              <a:gd name="connsiteY6" fmla="*/ 18288 h 18288"/>
+              <a:gd name="connsiteX7" fmla="*/ 2538974 w 3255095"/>
+              <a:gd name="connsiteY7" fmla="*/ 18288 h 18288"/>
+              <a:gd name="connsiteX8" fmla="*/ 1822853 w 3255095"/>
+              <a:gd name="connsiteY8" fmla="*/ 18288 h 18288"/>
+              <a:gd name="connsiteX9" fmla="*/ 1171834 w 3255095"/>
+              <a:gd name="connsiteY9" fmla="*/ 18288 h 18288"/>
+              <a:gd name="connsiteX10" fmla="*/ 0 w 3255095"/>
+              <a:gd name="connsiteY10" fmla="*/ 18288 h 18288"/>
+              <a:gd name="connsiteX11" fmla="*/ 0 w 3255095"/>
+              <a:gd name="connsiteY11" fmla="*/ 0 h 18288"/>
+            </a:gdLst>
+            <a:ahLst/>
+            <a:cxnLst>
+              <a:cxn ang="0">
+                <a:pos x="connsiteX0" y="connsiteY0"/>
+              </a:cxn>
+              <a:cxn ang="0">
+                <a:pos x="connsiteX1" y="connsiteY1"/>
+              </a:cxn>
+              <a:cxn ang="0">
+                <a:pos x="connsiteX2" y="connsiteY2"/>
+              </a:cxn>
+              <a:cxn ang="0">
+                <a:pos x="connsiteX3" y="connsiteY3"/>
+              </a:cxn>
+              <a:cxn ang="0">
+                <a:pos x="connsiteX4" y="connsiteY4"/>
+              </a:cxn>
+              <a:cxn ang="0">
+                <a:pos x="connsiteX5" y="connsiteY5"/>
+              </a:cxn>
+              <a:cxn ang="0">
+                <a:pos x="connsiteX6" y="connsiteY6"/>
+              </a:cxn>
+              <a:cxn ang="0">
+                <a:pos x="connsiteX7" y="connsiteY7"/>
+              </a:cxn>
+              <a:cxn ang="0">
+                <a:pos x="connsiteX8" y="connsiteY8"/>
+              </a:cxn>
+              <a:cxn ang="0">
+                <a:pos x="connsiteX9" y="connsiteY9"/>
+              </a:cxn>
+              <a:cxn ang="0">
+                <a:pos x="connsiteX10" y="connsiteY10"/>
+              </a:cxn>
+              <a:cxn ang="0">
+                <a:pos x="connsiteX11" y="connsiteY11"/>
+              </a:cxn>
+            </a:cxnLst>
+            <a:rect l="l" t="t" r="r" b="b"/>
+            <a:pathLst>
+              <a:path w="3255095" h="18288" fill="none" extrusionOk="0">
+                <a:moveTo>
+                  <a:pt x="0" y="0"/>
+                </a:moveTo>
+                <a:cubicBezTo>
+                  <a:pt x="240201" y="-22123"/>
+                  <a:pt x="462021" y="-19623"/>
+                  <a:pt x="618468" y="0"/>
+                </a:cubicBezTo>
+                <a:cubicBezTo>
+                  <a:pt x="774915" y="19623"/>
+                  <a:pt x="974734" y="2035"/>
+                  <a:pt x="1269487" y="0"/>
+                </a:cubicBezTo>
+                <a:cubicBezTo>
+                  <a:pt x="1564240" y="-2035"/>
+                  <a:pt x="1733579" y="10639"/>
+                  <a:pt x="1953057" y="0"/>
+                </a:cubicBezTo>
+                <a:cubicBezTo>
+                  <a:pt x="2172535" y="-10639"/>
+                  <a:pt x="2453962" y="14018"/>
+                  <a:pt x="2636627" y="0"/>
+                </a:cubicBezTo>
+                <a:cubicBezTo>
+                  <a:pt x="2819292" y="-14018"/>
+                  <a:pt x="3121375" y="5399"/>
+                  <a:pt x="3255095" y="0"/>
+                </a:cubicBezTo>
+                <a:cubicBezTo>
+                  <a:pt x="3254386" y="8157"/>
+                  <a:pt x="3254682" y="12125"/>
+                  <a:pt x="3255095" y="18288"/>
+                </a:cubicBezTo>
+                <a:cubicBezTo>
+                  <a:pt x="3088545" y="23203"/>
+                  <a:pt x="2687475" y="7419"/>
+                  <a:pt x="2538974" y="18288"/>
+                </a:cubicBezTo>
+                <a:cubicBezTo>
+                  <a:pt x="2390473" y="29157"/>
+                  <a:pt x="2137381" y="-8959"/>
+                  <a:pt x="1822853" y="18288"/>
+                </a:cubicBezTo>
+                <a:cubicBezTo>
+                  <a:pt x="1508325" y="45535"/>
+                  <a:pt x="1466437" y="20385"/>
+                  <a:pt x="1171834" y="18288"/>
+                </a:cubicBezTo>
+                <a:cubicBezTo>
+                  <a:pt x="877231" y="16191"/>
+                  <a:pt x="561097" y="37643"/>
+                  <a:pt x="0" y="18288"/>
+                </a:cubicBezTo>
+                <a:cubicBezTo>
+                  <a:pt x="-46" y="12483"/>
+                  <a:pt x="-203" y="6491"/>
+                  <a:pt x="0" y="0"/>
+                </a:cubicBezTo>
+                <a:close/>
+              </a:path>
+              <a:path w="3255095" h="18288" stroke="0" extrusionOk="0">
+                <a:moveTo>
+                  <a:pt x="0" y="0"/>
+                </a:moveTo>
+                <a:cubicBezTo>
+                  <a:pt x="291965" y="19429"/>
+                  <a:pt x="363155" y="8568"/>
+                  <a:pt x="618468" y="0"/>
+                </a:cubicBezTo>
+                <a:cubicBezTo>
+                  <a:pt x="873781" y="-8568"/>
+                  <a:pt x="904459" y="-19505"/>
+                  <a:pt x="1171834" y="0"/>
+                </a:cubicBezTo>
+                <a:cubicBezTo>
+                  <a:pt x="1439209" y="19505"/>
+                  <a:pt x="1744369" y="9790"/>
+                  <a:pt x="1887955" y="0"/>
+                </a:cubicBezTo>
+                <a:cubicBezTo>
+                  <a:pt x="2031541" y="-9790"/>
+                  <a:pt x="2346378" y="21240"/>
+                  <a:pt x="2506423" y="0"/>
+                </a:cubicBezTo>
+                <a:cubicBezTo>
+                  <a:pt x="2666468" y="-21240"/>
+                  <a:pt x="2990257" y="30414"/>
+                  <a:pt x="3255095" y="0"/>
+                </a:cubicBezTo>
+                <a:cubicBezTo>
+                  <a:pt x="3254831" y="4493"/>
+                  <a:pt x="3255479" y="9472"/>
+                  <a:pt x="3255095" y="18288"/>
+                </a:cubicBezTo>
+                <a:cubicBezTo>
+                  <a:pt x="3120743" y="16690"/>
+                  <a:pt x="2759628" y="42462"/>
+                  <a:pt x="2604076" y="18288"/>
+                </a:cubicBezTo>
+                <a:cubicBezTo>
+                  <a:pt x="2448524" y="-5886"/>
+                  <a:pt x="2184336" y="19599"/>
+                  <a:pt x="1887955" y="18288"/>
+                </a:cubicBezTo>
+                <a:cubicBezTo>
+                  <a:pt x="1591574" y="16977"/>
+                  <a:pt x="1548845" y="6870"/>
+                  <a:pt x="1334589" y="18288"/>
+                </a:cubicBezTo>
+                <a:cubicBezTo>
+                  <a:pt x="1120333" y="29706"/>
+                  <a:pt x="996014" y="9662"/>
+                  <a:pt x="683570" y="18288"/>
+                </a:cubicBezTo>
+                <a:cubicBezTo>
+                  <a:pt x="371126" y="26914"/>
+                  <a:pt x="198687" y="16167"/>
+                  <a:pt x="0" y="18288"/>
+                </a:cubicBezTo>
+                <a:cubicBezTo>
+                  <a:pt x="843" y="9577"/>
+                  <a:pt x="371" y="6900"/>
+                  <a:pt x="0" y="0"/>
+                </a:cubicBezTo>
+                <a:close/>
+              </a:path>
+            </a:pathLst>
+          </a:custGeom>
+          <a:solidFill>
+            <a:schemeClr val="accent2"/>
+          </a:solidFill>
+          <a:ln w="38100" cap="rnd">
+            <a:solidFill>
+              <a:schemeClr val="accent2"/>
+            </a:solidFill>
+            <a:round/>
+            <a:extLst>
+              <a:ext uri="{C807C97D-BFC1-408E-A445-0C87EB9F89A2}">
+                <ask:lineSketchStyleProps xmlns:ask="http://schemas.microsoft.com/office/drawing/2018/sketchyshapes" sd="1219033472">
+                  <a:prstGeom prst="rect">
+                    <a:avLst/>
+                  </a:prstGeom>
+                  <ask:type>
+                    <ask:lineSketchFreehand/>
+                  </ask:type>
+                </ask:lineSketchStyleProps>
+              </a:ext>
+            </a:extLst>
+          </a:ln>
+        </p:spPr>
+        <p:style>
+          <a:lnRef idx="2">
+            <a:schemeClr val="accent1">
+              <a:shade val="50000"/>
+            </a:schemeClr>
+          </a:lnRef>
+          <a:fillRef idx="1">
+            <a:schemeClr val="accent1"/>
+          </a:fillRef>
+          <a:effectRef idx="0">
+            <a:schemeClr val="accent1"/>
+          </a:effectRef>
+          <a:fontRef idx="minor">
+            <a:schemeClr val="lt1"/>
+          </a:fontRef>
+        </p:style>
+        <p:txBody>
+          <a:bodyPr rtlCol="0" anchor="ctr"/>
+          <a:lstStyle/>
+          <a:p>
+            <a:pPr algn="ctr"/>
+            <a:endParaRPr lang="en-US"/>
           </a:p>
         </p:txBody>
       </p:sp>
@@ -3984,22 +5346,29 @@
             <p:ph idx="1"/>
           </p:nvPr>
         </p:nvSpPr>
-        <p:spPr/>
-        <p:txBody>
-          <a:bodyPr/>
+        <p:spPr>
+          <a:xfrm>
+            <a:off x="630936" y="2660904"/>
+            <a:ext cx="4818888" cy="3547872"/>
+          </a:xfrm>
+        </p:spPr>
+        <p:txBody>
+          <a:bodyPr anchor="t">
+            <a:normAutofit/>
+          </a:bodyPr>
           <a:lstStyle/>
           <a:p>
             <a:pPr marL="0" indent="0" algn="l" rtl="0">
               <a:buNone/>
             </a:pPr>
             <a:r>
-              <a:rPr lang="en-US" dirty="0">
+              <a:rPr lang="en-US" sz="2200" dirty="0">
                 <a:latin typeface="Söhne"/>
               </a:rPr>
               <a:t>We e</a:t>
             </a:r>
             <a:r>
-              <a:rPr lang="en-US" b="0" i="0" dirty="0">
+              <a:rPr lang="en-US" sz="2200" b="0" i="0" dirty="0">
                 <a:effectLst/>
                 <a:latin typeface="Söhne"/>
               </a:rPr>
@@ -4009,7 +5378,7 @@
           <a:p>
             <a:pPr algn="l" rtl="0"/>
             <a:r>
-              <a:rPr lang="en-US" b="0" i="0" dirty="0">
+              <a:rPr lang="en-US" sz="2200" b="0" i="0" dirty="0">
                 <a:effectLst/>
                 <a:latin typeface="Söhne"/>
               </a:rPr>
@@ -4019,7 +5388,7 @@
           <a:p>
             <a:pPr algn="l" rtl="0"/>
             <a:r>
-              <a:rPr lang="en-US" b="0" i="0" dirty="0">
+              <a:rPr lang="en-US" sz="2200" b="0" i="0" dirty="0">
                 <a:effectLst/>
                 <a:latin typeface="Söhne"/>
               </a:rPr>
@@ -4029,7 +5398,7 @@
           <a:p>
             <a:pPr algn="l" rtl="0"/>
             <a:r>
-              <a:rPr lang="en-US" b="0" i="0" dirty="0">
+              <a:rPr lang="en-US" sz="2200" b="0" i="0" dirty="0">
                 <a:effectLst/>
                 <a:latin typeface="Söhne"/>
               </a:rPr>
@@ -4041,27 +5410,63 @@
               <a:buNone/>
             </a:pPr>
             <a:r>
-              <a:rPr lang="en-US" dirty="0">
+              <a:rPr lang="en-US" sz="2200" dirty="0">
                 <a:latin typeface="Söhne"/>
               </a:rPr>
               <a:t>In total we used the </a:t>
             </a:r>
             <a:r>
-              <a:rPr lang="en-US" dirty="0" err="1">
+              <a:rPr lang="en-US" sz="2200" dirty="0" err="1">
                 <a:latin typeface="Söhne"/>
               </a:rPr>
               <a:t>api</a:t>
             </a:r>
             <a:r>
-              <a:rPr lang="en-US" dirty="0">
+              <a:rPr lang="en-US" sz="2200" dirty="0">
                 <a:latin typeface="Söhne"/>
               </a:rPr>
               <a:t> to acquire more than 17 new features on each column in our dataset</a:t>
             </a:r>
-            <a:endParaRPr lang="he-IL" dirty="0"/>
-          </a:p>
-        </p:txBody>
-      </p:sp>
+            <a:endParaRPr lang="he-IL" sz="2200" dirty="0"/>
+          </a:p>
+        </p:txBody>
+      </p:sp>
+      <p:pic>
+        <p:nvPicPr>
+          <p:cNvPr id="5" name="תמונה 4">
+            <a:extLst>
+              <a:ext uri="{FF2B5EF4-FFF2-40B4-BE49-F238E27FC236}">
+                <a16:creationId xmlns:a16="http://schemas.microsoft.com/office/drawing/2014/main" id="{BDE68CDA-3B67-F5A0-82E5-11EF2E23AB8C}"/>
+              </a:ext>
+            </a:extLst>
+          </p:cNvPr>
+          <p:cNvPicPr>
+            <a:picLocks noChangeAspect="1"/>
+          </p:cNvPicPr>
+          <p:nvPr/>
+        </p:nvPicPr>
+        <p:blipFill>
+          <a:blip r:embed="rId2">
+            <a:extLst>
+              <a:ext uri="{28A0092B-C50C-407E-A947-70E740481C1C}">
+                <a14:useLocalDpi xmlns:a14="http://schemas.microsoft.com/office/drawing/2010/main" val="0"/>
+              </a:ext>
+            </a:extLst>
+          </a:blip>
+          <a:stretch>
+            <a:fillRect/>
+          </a:stretch>
+        </p:blipFill>
+        <p:spPr>
+          <a:xfrm>
+            <a:off x="6099048" y="2507799"/>
+            <a:ext cx="5458968" cy="1842401"/>
+          </a:xfrm>
+          <a:prstGeom prst="rect">
+            <a:avLst/>
+          </a:prstGeom>
+        </p:spPr>
+      </p:pic>
     </p:spTree>
     <p:extLst>
       <p:ext uri="{BB962C8B-B14F-4D97-AF65-F5344CB8AC3E}">
@@ -4078,6 +5483,14 @@
 <file path=ppt/slides/slide5.xml><?xml version="1.0" encoding="utf-8"?>
 <p:sld xmlns:a="http://schemas.openxmlformats.org/drawingml/2006/main" xmlns:r="http://schemas.openxmlformats.org/officeDocument/2006/relationships" xmlns:p="http://schemas.openxmlformats.org/presentationml/2006/main">
   <p:cSld>
+    <p:bg>
+      <p:bgPr>
+        <a:solidFill>
+          <a:schemeClr val="bg1"/>
+        </a:solidFill>
+        <a:effectLst/>
+      </p:bgPr>
+    </p:bg>
     <p:spTree>
       <p:nvGrpSpPr>
         <p:cNvPr id="1" name=""/>
@@ -4092,6 +5505,66 @@
           <a:chExt cx="0" cy="0"/>
         </a:xfrm>
       </p:grpSpPr>
+      <p:sp useBgFill="1">
+        <p:nvSpPr>
+          <p:cNvPr id="10" name="Rectangle 9">
+            <a:extLst>
+              <a:ext uri="{FF2B5EF4-FFF2-40B4-BE49-F238E27FC236}">
+                <a16:creationId xmlns:a16="http://schemas.microsoft.com/office/drawing/2014/main" id="{743AA782-23D1-4521-8CAD-47662984AA08}"/>
+              </a:ext>
+              <a:ext uri="{C183D7F6-B498-43B3-948B-1728B52AA6E4}">
+                <adec:decorative xmlns:adec="http://schemas.microsoft.com/office/drawing/2017/decorative" val="1"/>
+              </a:ext>
+            </a:extLst>
+          </p:cNvPr>
+          <p:cNvSpPr>
+            <a:spLocks noGrp="1" noRot="1" noChangeAspect="1" noMove="1" noResize="1" noEditPoints="1" noAdjustHandles="1" noChangeArrowheads="1" noChangeShapeType="1" noTextEdit="1"/>
+          </p:cNvSpPr>
+          <p:nvPr>
+            <p:extLst>
+              <p:ext uri="{386F3935-93C4-4BCD-93E2-E3B085C9AB24}">
+                <p16:designElem xmlns:p16="http://schemas.microsoft.com/office/powerpoint/2015/main" val="1"/>
+              </p:ext>
+            </p:extLst>
+          </p:nvPr>
+        </p:nvSpPr>
+        <p:spPr>
+          <a:xfrm>
+            <a:off x="0" y="0"/>
+            <a:ext cx="12192000" cy="6858000"/>
+          </a:xfrm>
+          <a:prstGeom prst="rect">
+            <a:avLst/>
+          </a:prstGeom>
+          <a:ln>
+            <a:noFill/>
+          </a:ln>
+        </p:spPr>
+        <p:style>
+          <a:lnRef idx="2">
+            <a:schemeClr val="accent1">
+              <a:shade val="50000"/>
+            </a:schemeClr>
+          </a:lnRef>
+          <a:fillRef idx="1">
+            <a:schemeClr val="accent1"/>
+          </a:fillRef>
+          <a:effectRef idx="0">
+            <a:schemeClr val="accent1"/>
+          </a:effectRef>
+          <a:fontRef idx="minor">
+            <a:schemeClr val="lt1"/>
+          </a:fontRef>
+        </p:style>
+        <p:txBody>
+          <a:bodyPr rtlCol="0" anchor="ctr"/>
+          <a:lstStyle/>
+          <a:p>
+            <a:pPr algn="ctr"/>
+            <a:endParaRPr lang="en-US"/>
+          </a:p>
+        </p:txBody>
+      </p:sp>
       <p:sp>
         <p:nvSpPr>
           <p:cNvPr id="2" name="כותרת 1">
@@ -4108,20 +5581,300 @@
             <p:ph type="title"/>
           </p:nvPr>
         </p:nvSpPr>
-        <p:spPr/>
-        <p:txBody>
-          <a:bodyPr/>
+        <p:spPr>
+          <a:xfrm>
+            <a:off x="630936" y="640080"/>
+            <a:ext cx="4818888" cy="1481328"/>
+          </a:xfrm>
+        </p:spPr>
+        <p:txBody>
+          <a:bodyPr anchor="b">
+            <a:normAutofit/>
+          </a:bodyPr>
           <a:lstStyle/>
           <a:p>
             <a:pPr algn="l" rtl="0"/>
             <a:r>
-              <a:rPr lang="en-US" b="1" i="0" dirty="0">
+              <a:rPr lang="en-US" sz="5400" b="1" i="0" dirty="0">
                 <a:effectLst/>
                 <a:latin typeface="Söhne"/>
               </a:rPr>
               <a:t>Data Cleaning</a:t>
             </a:r>
-            <a:endParaRPr lang="he-IL" b="1" dirty="0"/>
+            <a:endParaRPr lang="he-IL" sz="5400" b="1" dirty="0"/>
+          </a:p>
+        </p:txBody>
+      </p:sp>
+      <p:sp>
+        <p:nvSpPr>
+          <p:cNvPr id="12" name="sketch line">
+            <a:extLst>
+              <a:ext uri="{FF2B5EF4-FFF2-40B4-BE49-F238E27FC236}">
+                <a16:creationId xmlns:a16="http://schemas.microsoft.com/office/drawing/2014/main" id="{71877DBC-BB60-40F0-AC93-2ACDBAAE60CE}"/>
+              </a:ext>
+              <a:ext uri="{C183D7F6-B498-43B3-948B-1728B52AA6E4}">
+                <adec:decorative xmlns:adec="http://schemas.microsoft.com/office/drawing/2017/decorative" val="1"/>
+              </a:ext>
+            </a:extLst>
+          </p:cNvPr>
+          <p:cNvSpPr>
+            <a:spLocks noGrp="1" noRot="1" noChangeAspect="1" noMove="1" noResize="1" noEditPoints="1" noAdjustHandles="1" noChangeArrowheads="1" noChangeShapeType="1" noTextEdit="1"/>
+          </p:cNvSpPr>
+          <p:nvPr>
+            <p:extLst>
+              <p:ext uri="{386F3935-93C4-4BCD-93E2-E3B085C9AB24}">
+                <p16:designElem xmlns:p16="http://schemas.microsoft.com/office/powerpoint/2015/main" val="1"/>
+              </p:ext>
+            </p:extLst>
+          </p:nvPr>
+        </p:nvSpPr>
+        <p:spPr>
+          <a:xfrm>
+            <a:off x="643278" y="2372868"/>
+            <a:ext cx="3255095" cy="18288"/>
+          </a:xfrm>
+          <a:custGeom>
+            <a:avLst/>
+            <a:gdLst>
+              <a:gd name="connsiteX0" fmla="*/ 0 w 3255095"/>
+              <a:gd name="connsiteY0" fmla="*/ 0 h 18288"/>
+              <a:gd name="connsiteX1" fmla="*/ 618468 w 3255095"/>
+              <a:gd name="connsiteY1" fmla="*/ 0 h 18288"/>
+              <a:gd name="connsiteX2" fmla="*/ 1269487 w 3255095"/>
+              <a:gd name="connsiteY2" fmla="*/ 0 h 18288"/>
+              <a:gd name="connsiteX3" fmla="*/ 1953057 w 3255095"/>
+              <a:gd name="connsiteY3" fmla="*/ 0 h 18288"/>
+              <a:gd name="connsiteX4" fmla="*/ 2636627 w 3255095"/>
+              <a:gd name="connsiteY4" fmla="*/ 0 h 18288"/>
+              <a:gd name="connsiteX5" fmla="*/ 3255095 w 3255095"/>
+              <a:gd name="connsiteY5" fmla="*/ 0 h 18288"/>
+              <a:gd name="connsiteX6" fmla="*/ 3255095 w 3255095"/>
+              <a:gd name="connsiteY6" fmla="*/ 18288 h 18288"/>
+              <a:gd name="connsiteX7" fmla="*/ 2538974 w 3255095"/>
+              <a:gd name="connsiteY7" fmla="*/ 18288 h 18288"/>
+              <a:gd name="connsiteX8" fmla="*/ 1822853 w 3255095"/>
+              <a:gd name="connsiteY8" fmla="*/ 18288 h 18288"/>
+              <a:gd name="connsiteX9" fmla="*/ 1171834 w 3255095"/>
+              <a:gd name="connsiteY9" fmla="*/ 18288 h 18288"/>
+              <a:gd name="connsiteX10" fmla="*/ 0 w 3255095"/>
+              <a:gd name="connsiteY10" fmla="*/ 18288 h 18288"/>
+              <a:gd name="connsiteX11" fmla="*/ 0 w 3255095"/>
+              <a:gd name="connsiteY11" fmla="*/ 0 h 18288"/>
+            </a:gdLst>
+            <a:ahLst/>
+            <a:cxnLst>
+              <a:cxn ang="0">
+                <a:pos x="connsiteX0" y="connsiteY0"/>
+              </a:cxn>
+              <a:cxn ang="0">
+                <a:pos x="connsiteX1" y="connsiteY1"/>
+              </a:cxn>
+              <a:cxn ang="0">
+                <a:pos x="connsiteX2" y="connsiteY2"/>
+              </a:cxn>
+              <a:cxn ang="0">
+                <a:pos x="connsiteX3" y="connsiteY3"/>
+              </a:cxn>
+              <a:cxn ang="0">
+                <a:pos x="connsiteX4" y="connsiteY4"/>
+              </a:cxn>
+              <a:cxn ang="0">
+                <a:pos x="connsiteX5" y="connsiteY5"/>
+              </a:cxn>
+              <a:cxn ang="0">
+                <a:pos x="connsiteX6" y="connsiteY6"/>
+              </a:cxn>
+              <a:cxn ang="0">
+                <a:pos x="connsiteX7" y="connsiteY7"/>
+              </a:cxn>
+              <a:cxn ang="0">
+                <a:pos x="connsiteX8" y="connsiteY8"/>
+              </a:cxn>
+              <a:cxn ang="0">
+                <a:pos x="connsiteX9" y="connsiteY9"/>
+              </a:cxn>
+              <a:cxn ang="0">
+                <a:pos x="connsiteX10" y="connsiteY10"/>
+              </a:cxn>
+              <a:cxn ang="0">
+                <a:pos x="connsiteX11" y="connsiteY11"/>
+              </a:cxn>
+            </a:cxnLst>
+            <a:rect l="l" t="t" r="r" b="b"/>
+            <a:pathLst>
+              <a:path w="3255095" h="18288" fill="none" extrusionOk="0">
+                <a:moveTo>
+                  <a:pt x="0" y="0"/>
+                </a:moveTo>
+                <a:cubicBezTo>
+                  <a:pt x="240201" y="-22123"/>
+                  <a:pt x="462021" y="-19623"/>
+                  <a:pt x="618468" y="0"/>
+                </a:cubicBezTo>
+                <a:cubicBezTo>
+                  <a:pt x="774915" y="19623"/>
+                  <a:pt x="974734" y="2035"/>
+                  <a:pt x="1269487" y="0"/>
+                </a:cubicBezTo>
+                <a:cubicBezTo>
+                  <a:pt x="1564240" y="-2035"/>
+                  <a:pt x="1733579" y="10639"/>
+                  <a:pt x="1953057" y="0"/>
+                </a:cubicBezTo>
+                <a:cubicBezTo>
+                  <a:pt x="2172535" y="-10639"/>
+                  <a:pt x="2453962" y="14018"/>
+                  <a:pt x="2636627" y="0"/>
+                </a:cubicBezTo>
+                <a:cubicBezTo>
+                  <a:pt x="2819292" y="-14018"/>
+                  <a:pt x="3121375" y="5399"/>
+                  <a:pt x="3255095" y="0"/>
+                </a:cubicBezTo>
+                <a:cubicBezTo>
+                  <a:pt x="3254386" y="8157"/>
+                  <a:pt x="3254682" y="12125"/>
+                  <a:pt x="3255095" y="18288"/>
+                </a:cubicBezTo>
+                <a:cubicBezTo>
+                  <a:pt x="3088545" y="23203"/>
+                  <a:pt x="2687475" y="7419"/>
+                  <a:pt x="2538974" y="18288"/>
+                </a:cubicBezTo>
+                <a:cubicBezTo>
+                  <a:pt x="2390473" y="29157"/>
+                  <a:pt x="2137381" y="-8959"/>
+                  <a:pt x="1822853" y="18288"/>
+                </a:cubicBezTo>
+                <a:cubicBezTo>
+                  <a:pt x="1508325" y="45535"/>
+                  <a:pt x="1466437" y="20385"/>
+                  <a:pt x="1171834" y="18288"/>
+                </a:cubicBezTo>
+                <a:cubicBezTo>
+                  <a:pt x="877231" y="16191"/>
+                  <a:pt x="561097" y="37643"/>
+                  <a:pt x="0" y="18288"/>
+                </a:cubicBezTo>
+                <a:cubicBezTo>
+                  <a:pt x="-46" y="12483"/>
+                  <a:pt x="-203" y="6491"/>
+                  <a:pt x="0" y="0"/>
+                </a:cubicBezTo>
+                <a:close/>
+              </a:path>
+              <a:path w="3255095" h="18288" stroke="0" extrusionOk="0">
+                <a:moveTo>
+                  <a:pt x="0" y="0"/>
+                </a:moveTo>
+                <a:cubicBezTo>
+                  <a:pt x="291965" y="19429"/>
+                  <a:pt x="363155" y="8568"/>
+                  <a:pt x="618468" y="0"/>
+                </a:cubicBezTo>
+                <a:cubicBezTo>
+                  <a:pt x="873781" y="-8568"/>
+                  <a:pt x="904459" y="-19505"/>
+                  <a:pt x="1171834" y="0"/>
+                </a:cubicBezTo>
+                <a:cubicBezTo>
+                  <a:pt x="1439209" y="19505"/>
+                  <a:pt x="1744369" y="9790"/>
+                  <a:pt x="1887955" y="0"/>
+                </a:cubicBezTo>
+                <a:cubicBezTo>
+                  <a:pt x="2031541" y="-9790"/>
+                  <a:pt x="2346378" y="21240"/>
+                  <a:pt x="2506423" y="0"/>
+                </a:cubicBezTo>
+                <a:cubicBezTo>
+                  <a:pt x="2666468" y="-21240"/>
+                  <a:pt x="2990257" y="30414"/>
+                  <a:pt x="3255095" y="0"/>
+                </a:cubicBezTo>
+                <a:cubicBezTo>
+                  <a:pt x="3254831" y="4493"/>
+                  <a:pt x="3255479" y="9472"/>
+                  <a:pt x="3255095" y="18288"/>
+                </a:cubicBezTo>
+                <a:cubicBezTo>
+                  <a:pt x="3120743" y="16690"/>
+                  <a:pt x="2759628" y="42462"/>
+                  <a:pt x="2604076" y="18288"/>
+                </a:cubicBezTo>
+                <a:cubicBezTo>
+                  <a:pt x="2448524" y="-5886"/>
+                  <a:pt x="2184336" y="19599"/>
+                  <a:pt x="1887955" y="18288"/>
+                </a:cubicBezTo>
+                <a:cubicBezTo>
+                  <a:pt x="1591574" y="16977"/>
+                  <a:pt x="1548845" y="6870"/>
+                  <a:pt x="1334589" y="18288"/>
+                </a:cubicBezTo>
+                <a:cubicBezTo>
+                  <a:pt x="1120333" y="29706"/>
+                  <a:pt x="996014" y="9662"/>
+                  <a:pt x="683570" y="18288"/>
+                </a:cubicBezTo>
+                <a:cubicBezTo>
+                  <a:pt x="371126" y="26914"/>
+                  <a:pt x="198687" y="16167"/>
+                  <a:pt x="0" y="18288"/>
+                </a:cubicBezTo>
+                <a:cubicBezTo>
+                  <a:pt x="843" y="9577"/>
+                  <a:pt x="371" y="6900"/>
+                  <a:pt x="0" y="0"/>
+                </a:cubicBezTo>
+                <a:close/>
+              </a:path>
+            </a:pathLst>
+          </a:custGeom>
+          <a:solidFill>
+            <a:schemeClr val="accent2"/>
+          </a:solidFill>
+          <a:ln w="38100" cap="rnd">
+            <a:solidFill>
+              <a:schemeClr val="accent2"/>
+            </a:solidFill>
+            <a:round/>
+            <a:extLst>
+              <a:ext uri="{C807C97D-BFC1-408E-A445-0C87EB9F89A2}">
+                <ask:lineSketchStyleProps xmlns:ask="http://schemas.microsoft.com/office/drawing/2018/sketchyshapes" sd="1219033472">
+                  <a:prstGeom prst="rect">
+                    <a:avLst/>
+                  </a:prstGeom>
+                  <ask:type>
+                    <ask:lineSketchFreehand/>
+                  </ask:type>
+                </ask:lineSketchStyleProps>
+              </a:ext>
+            </a:extLst>
+          </a:ln>
+        </p:spPr>
+        <p:style>
+          <a:lnRef idx="2">
+            <a:schemeClr val="accent1">
+              <a:shade val="50000"/>
+            </a:schemeClr>
+          </a:lnRef>
+          <a:fillRef idx="1">
+            <a:schemeClr val="accent1"/>
+          </a:fillRef>
+          <a:effectRef idx="0">
+            <a:schemeClr val="accent1"/>
+          </a:effectRef>
+          <a:fontRef idx="minor">
+            <a:schemeClr val="lt1"/>
+          </a:fontRef>
+        </p:style>
+        <p:txBody>
+          <a:bodyPr rtlCol="0" anchor="ctr"/>
+          <a:lstStyle/>
+          <a:p>
+            <a:pPr algn="ctr"/>
+            <a:endParaRPr lang="en-US"/>
           </a:p>
         </p:txBody>
       </p:sp>
@@ -4141,16 +5894,23 @@
             <p:ph idx="1"/>
           </p:nvPr>
         </p:nvSpPr>
-        <p:spPr/>
-        <p:txBody>
-          <a:bodyPr/>
+        <p:spPr>
+          <a:xfrm>
+            <a:off x="630936" y="2660904"/>
+            <a:ext cx="4818888" cy="3547872"/>
+          </a:xfrm>
+        </p:spPr>
+        <p:txBody>
+          <a:bodyPr anchor="t">
+            <a:normAutofit/>
+          </a:bodyPr>
           <a:lstStyle/>
           <a:p>
             <a:pPr marL="0" indent="0" algn="l" rtl="0">
               <a:buNone/>
             </a:pPr>
             <a:r>
-              <a:rPr lang="en-US" b="0" i="0" dirty="0">
+              <a:rPr lang="en-US" sz="2200" b="0" i="0" dirty="0">
                 <a:effectLst/>
                 <a:latin typeface="Söhne"/>
               </a:rPr>
@@ -4161,7 +5921,7 @@
             <a:pPr marL="0" indent="0" algn="l" rtl="0">
               <a:buNone/>
             </a:pPr>
-            <a:endParaRPr lang="en-US" dirty="0">
+            <a:endParaRPr lang="en-US" sz="2200" dirty="0">
               <a:latin typeface="Söhne"/>
             </a:endParaRPr>
           </a:p>
@@ -4170,15 +5930,51 @@
               <a:buNone/>
             </a:pPr>
             <a:r>
-              <a:rPr lang="en-US" dirty="0">
+              <a:rPr lang="en-US" sz="2200" dirty="0">
                 <a:latin typeface="Söhne"/>
               </a:rPr>
               <a:t>We removed some more data later on using our EDA</a:t>
             </a:r>
-            <a:endParaRPr lang="he-IL" dirty="0"/>
-          </a:p>
-        </p:txBody>
-      </p:sp>
+            <a:endParaRPr lang="he-IL" sz="2200" dirty="0"/>
+          </a:p>
+        </p:txBody>
+      </p:sp>
+      <p:pic>
+        <p:nvPicPr>
+          <p:cNvPr id="5" name="תמונה 4" descr="תמונה שמכילה טקסט&#10;&#10;התיאור נוצר באופן אוטומטי">
+            <a:extLst>
+              <a:ext uri="{FF2B5EF4-FFF2-40B4-BE49-F238E27FC236}">
+                <a16:creationId xmlns:a16="http://schemas.microsoft.com/office/drawing/2014/main" id="{35A7F182-1265-AAFE-CCD5-EC52B0E10898}"/>
+              </a:ext>
+            </a:extLst>
+          </p:cNvPr>
+          <p:cNvPicPr>
+            <a:picLocks noChangeAspect="1"/>
+          </p:cNvPicPr>
+          <p:nvPr/>
+        </p:nvPicPr>
+        <p:blipFill>
+          <a:blip r:embed="rId2">
+            <a:extLst>
+              <a:ext uri="{28A0092B-C50C-407E-A947-70E740481C1C}">
+                <a14:useLocalDpi xmlns:a14="http://schemas.microsoft.com/office/drawing/2010/main" val="0"/>
+              </a:ext>
+            </a:extLst>
+          </a:blip>
+          <a:stretch>
+            <a:fillRect/>
+          </a:stretch>
+        </p:blipFill>
+        <p:spPr>
+          <a:xfrm>
+            <a:off x="6099048" y="1545656"/>
+            <a:ext cx="5458968" cy="3766687"/>
+          </a:xfrm>
+          <a:prstGeom prst="rect">
+            <a:avLst/>
+          </a:prstGeom>
+        </p:spPr>
+      </p:pic>
     </p:spTree>
     <p:extLst>
       <p:ext uri="{BB962C8B-B14F-4D97-AF65-F5344CB8AC3E}">
@@ -4195,6 +5991,14 @@
 <file path=ppt/slides/slide6.xml><?xml version="1.0" encoding="utf-8"?>
 <p:sld xmlns:a="http://schemas.openxmlformats.org/drawingml/2006/main" xmlns:r="http://schemas.openxmlformats.org/officeDocument/2006/relationships" xmlns:p="http://schemas.openxmlformats.org/presentationml/2006/main">
   <p:cSld>
+    <p:bg>
+      <p:bgPr>
+        <a:solidFill>
+          <a:schemeClr val="bg1"/>
+        </a:solidFill>
+        <a:effectLst/>
+      </p:bgPr>
+    </p:bg>
     <p:spTree>
       <p:nvGrpSpPr>
         <p:cNvPr id="1" name=""/>
@@ -4209,6 +6013,66 @@
           <a:chExt cx="0" cy="0"/>
         </a:xfrm>
       </p:grpSpPr>
+      <p:sp useBgFill="1">
+        <p:nvSpPr>
+          <p:cNvPr id="10" name="Rectangle 9">
+            <a:extLst>
+              <a:ext uri="{FF2B5EF4-FFF2-40B4-BE49-F238E27FC236}">
+                <a16:creationId xmlns:a16="http://schemas.microsoft.com/office/drawing/2014/main" id="{743AA782-23D1-4521-8CAD-47662984AA08}"/>
+              </a:ext>
+              <a:ext uri="{C183D7F6-B498-43B3-948B-1728B52AA6E4}">
+                <adec:decorative xmlns:adec="http://schemas.microsoft.com/office/drawing/2017/decorative" val="1"/>
+              </a:ext>
+            </a:extLst>
+          </p:cNvPr>
+          <p:cNvSpPr>
+            <a:spLocks noGrp="1" noRot="1" noChangeAspect="1" noMove="1" noResize="1" noEditPoints="1" noAdjustHandles="1" noChangeArrowheads="1" noChangeShapeType="1" noTextEdit="1"/>
+          </p:cNvSpPr>
+          <p:nvPr>
+            <p:extLst>
+              <p:ext uri="{386F3935-93C4-4BCD-93E2-E3B085C9AB24}">
+                <p16:designElem xmlns:p16="http://schemas.microsoft.com/office/powerpoint/2015/main" val="1"/>
+              </p:ext>
+            </p:extLst>
+          </p:nvPr>
+        </p:nvSpPr>
+        <p:spPr>
+          <a:xfrm>
+            <a:off x="0" y="0"/>
+            <a:ext cx="12192000" cy="6858000"/>
+          </a:xfrm>
+          <a:prstGeom prst="rect">
+            <a:avLst/>
+          </a:prstGeom>
+          <a:ln>
+            <a:noFill/>
+          </a:ln>
+        </p:spPr>
+        <p:style>
+          <a:lnRef idx="2">
+            <a:schemeClr val="accent1">
+              <a:shade val="50000"/>
+            </a:schemeClr>
+          </a:lnRef>
+          <a:fillRef idx="1">
+            <a:schemeClr val="accent1"/>
+          </a:fillRef>
+          <a:effectRef idx="0">
+            <a:schemeClr val="accent1"/>
+          </a:effectRef>
+          <a:fontRef idx="minor">
+            <a:schemeClr val="lt1"/>
+          </a:fontRef>
+        </p:style>
+        <p:txBody>
+          <a:bodyPr rtlCol="0" anchor="ctr"/>
+          <a:lstStyle/>
+          <a:p>
+            <a:pPr algn="ctr"/>
+            <a:endParaRPr lang="en-US"/>
+          </a:p>
+        </p:txBody>
+      </p:sp>
       <p:sp>
         <p:nvSpPr>
           <p:cNvPr id="2" name="כותרת 1">
@@ -4225,20 +6089,300 @@
             <p:ph type="title"/>
           </p:nvPr>
         </p:nvSpPr>
-        <p:spPr/>
-        <p:txBody>
-          <a:bodyPr/>
+        <p:spPr>
+          <a:xfrm>
+            <a:off x="630936" y="640080"/>
+            <a:ext cx="4818888" cy="1481328"/>
+          </a:xfrm>
+        </p:spPr>
+        <p:txBody>
+          <a:bodyPr anchor="b">
+            <a:normAutofit/>
+          </a:bodyPr>
           <a:lstStyle/>
           <a:p>
             <a:pPr algn="l" rtl="0"/>
             <a:r>
-              <a:rPr lang="en-US" b="1" i="0" dirty="0">
+              <a:rPr lang="en-US" sz="4600" b="1" i="0" dirty="0">
                 <a:effectLst/>
                 <a:latin typeface="Söhne"/>
               </a:rPr>
               <a:t>Data Visualization &amp; EDA</a:t>
             </a:r>
-            <a:endParaRPr lang="he-IL" b="1" dirty="0"/>
+            <a:endParaRPr lang="he-IL" sz="4600" b="1" dirty="0"/>
+          </a:p>
+        </p:txBody>
+      </p:sp>
+      <p:sp>
+        <p:nvSpPr>
+          <p:cNvPr id="12" name="sketch line">
+            <a:extLst>
+              <a:ext uri="{FF2B5EF4-FFF2-40B4-BE49-F238E27FC236}">
+                <a16:creationId xmlns:a16="http://schemas.microsoft.com/office/drawing/2014/main" id="{71877DBC-BB60-40F0-AC93-2ACDBAAE60CE}"/>
+              </a:ext>
+              <a:ext uri="{C183D7F6-B498-43B3-948B-1728B52AA6E4}">
+                <adec:decorative xmlns:adec="http://schemas.microsoft.com/office/drawing/2017/decorative" val="1"/>
+              </a:ext>
+            </a:extLst>
+          </p:cNvPr>
+          <p:cNvSpPr>
+            <a:spLocks noGrp="1" noRot="1" noChangeAspect="1" noMove="1" noResize="1" noEditPoints="1" noAdjustHandles="1" noChangeArrowheads="1" noChangeShapeType="1" noTextEdit="1"/>
+          </p:cNvSpPr>
+          <p:nvPr>
+            <p:extLst>
+              <p:ext uri="{386F3935-93C4-4BCD-93E2-E3B085C9AB24}">
+                <p16:designElem xmlns:p16="http://schemas.microsoft.com/office/powerpoint/2015/main" val="1"/>
+              </p:ext>
+            </p:extLst>
+          </p:nvPr>
+        </p:nvSpPr>
+        <p:spPr>
+          <a:xfrm>
+            <a:off x="643278" y="2372868"/>
+            <a:ext cx="3255095" cy="18288"/>
+          </a:xfrm>
+          <a:custGeom>
+            <a:avLst/>
+            <a:gdLst>
+              <a:gd name="connsiteX0" fmla="*/ 0 w 3255095"/>
+              <a:gd name="connsiteY0" fmla="*/ 0 h 18288"/>
+              <a:gd name="connsiteX1" fmla="*/ 618468 w 3255095"/>
+              <a:gd name="connsiteY1" fmla="*/ 0 h 18288"/>
+              <a:gd name="connsiteX2" fmla="*/ 1269487 w 3255095"/>
+              <a:gd name="connsiteY2" fmla="*/ 0 h 18288"/>
+              <a:gd name="connsiteX3" fmla="*/ 1953057 w 3255095"/>
+              <a:gd name="connsiteY3" fmla="*/ 0 h 18288"/>
+              <a:gd name="connsiteX4" fmla="*/ 2636627 w 3255095"/>
+              <a:gd name="connsiteY4" fmla="*/ 0 h 18288"/>
+              <a:gd name="connsiteX5" fmla="*/ 3255095 w 3255095"/>
+              <a:gd name="connsiteY5" fmla="*/ 0 h 18288"/>
+              <a:gd name="connsiteX6" fmla="*/ 3255095 w 3255095"/>
+              <a:gd name="connsiteY6" fmla="*/ 18288 h 18288"/>
+              <a:gd name="connsiteX7" fmla="*/ 2538974 w 3255095"/>
+              <a:gd name="connsiteY7" fmla="*/ 18288 h 18288"/>
+              <a:gd name="connsiteX8" fmla="*/ 1822853 w 3255095"/>
+              <a:gd name="connsiteY8" fmla="*/ 18288 h 18288"/>
+              <a:gd name="connsiteX9" fmla="*/ 1171834 w 3255095"/>
+              <a:gd name="connsiteY9" fmla="*/ 18288 h 18288"/>
+              <a:gd name="connsiteX10" fmla="*/ 0 w 3255095"/>
+              <a:gd name="connsiteY10" fmla="*/ 18288 h 18288"/>
+              <a:gd name="connsiteX11" fmla="*/ 0 w 3255095"/>
+              <a:gd name="connsiteY11" fmla="*/ 0 h 18288"/>
+            </a:gdLst>
+            <a:ahLst/>
+            <a:cxnLst>
+              <a:cxn ang="0">
+                <a:pos x="connsiteX0" y="connsiteY0"/>
+              </a:cxn>
+              <a:cxn ang="0">
+                <a:pos x="connsiteX1" y="connsiteY1"/>
+              </a:cxn>
+              <a:cxn ang="0">
+                <a:pos x="connsiteX2" y="connsiteY2"/>
+              </a:cxn>
+              <a:cxn ang="0">
+                <a:pos x="connsiteX3" y="connsiteY3"/>
+              </a:cxn>
+              <a:cxn ang="0">
+                <a:pos x="connsiteX4" y="connsiteY4"/>
+              </a:cxn>
+              <a:cxn ang="0">
+                <a:pos x="connsiteX5" y="connsiteY5"/>
+              </a:cxn>
+              <a:cxn ang="0">
+                <a:pos x="connsiteX6" y="connsiteY6"/>
+              </a:cxn>
+              <a:cxn ang="0">
+                <a:pos x="connsiteX7" y="connsiteY7"/>
+              </a:cxn>
+              <a:cxn ang="0">
+                <a:pos x="connsiteX8" y="connsiteY8"/>
+              </a:cxn>
+              <a:cxn ang="0">
+                <a:pos x="connsiteX9" y="connsiteY9"/>
+              </a:cxn>
+              <a:cxn ang="0">
+                <a:pos x="connsiteX10" y="connsiteY10"/>
+              </a:cxn>
+              <a:cxn ang="0">
+                <a:pos x="connsiteX11" y="connsiteY11"/>
+              </a:cxn>
+            </a:cxnLst>
+            <a:rect l="l" t="t" r="r" b="b"/>
+            <a:pathLst>
+              <a:path w="3255095" h="18288" fill="none" extrusionOk="0">
+                <a:moveTo>
+                  <a:pt x="0" y="0"/>
+                </a:moveTo>
+                <a:cubicBezTo>
+                  <a:pt x="240201" y="-22123"/>
+                  <a:pt x="462021" y="-19623"/>
+                  <a:pt x="618468" y="0"/>
+                </a:cubicBezTo>
+                <a:cubicBezTo>
+                  <a:pt x="774915" y="19623"/>
+                  <a:pt x="974734" y="2035"/>
+                  <a:pt x="1269487" y="0"/>
+                </a:cubicBezTo>
+                <a:cubicBezTo>
+                  <a:pt x="1564240" y="-2035"/>
+                  <a:pt x="1733579" y="10639"/>
+                  <a:pt x="1953057" y="0"/>
+                </a:cubicBezTo>
+                <a:cubicBezTo>
+                  <a:pt x="2172535" y="-10639"/>
+                  <a:pt x="2453962" y="14018"/>
+                  <a:pt x="2636627" y="0"/>
+                </a:cubicBezTo>
+                <a:cubicBezTo>
+                  <a:pt x="2819292" y="-14018"/>
+                  <a:pt x="3121375" y="5399"/>
+                  <a:pt x="3255095" y="0"/>
+                </a:cubicBezTo>
+                <a:cubicBezTo>
+                  <a:pt x="3254386" y="8157"/>
+                  <a:pt x="3254682" y="12125"/>
+                  <a:pt x="3255095" y="18288"/>
+                </a:cubicBezTo>
+                <a:cubicBezTo>
+                  <a:pt x="3088545" y="23203"/>
+                  <a:pt x="2687475" y="7419"/>
+                  <a:pt x="2538974" y="18288"/>
+                </a:cubicBezTo>
+                <a:cubicBezTo>
+                  <a:pt x="2390473" y="29157"/>
+                  <a:pt x="2137381" y="-8959"/>
+                  <a:pt x="1822853" y="18288"/>
+                </a:cubicBezTo>
+                <a:cubicBezTo>
+                  <a:pt x="1508325" y="45535"/>
+                  <a:pt x="1466437" y="20385"/>
+                  <a:pt x="1171834" y="18288"/>
+                </a:cubicBezTo>
+                <a:cubicBezTo>
+                  <a:pt x="877231" y="16191"/>
+                  <a:pt x="561097" y="37643"/>
+                  <a:pt x="0" y="18288"/>
+                </a:cubicBezTo>
+                <a:cubicBezTo>
+                  <a:pt x="-46" y="12483"/>
+                  <a:pt x="-203" y="6491"/>
+                  <a:pt x="0" y="0"/>
+                </a:cubicBezTo>
+                <a:close/>
+              </a:path>
+              <a:path w="3255095" h="18288" stroke="0" extrusionOk="0">
+                <a:moveTo>
+                  <a:pt x="0" y="0"/>
+                </a:moveTo>
+                <a:cubicBezTo>
+                  <a:pt x="291965" y="19429"/>
+                  <a:pt x="363155" y="8568"/>
+                  <a:pt x="618468" y="0"/>
+                </a:cubicBezTo>
+                <a:cubicBezTo>
+                  <a:pt x="873781" y="-8568"/>
+                  <a:pt x="904459" y="-19505"/>
+                  <a:pt x="1171834" y="0"/>
+                </a:cubicBezTo>
+                <a:cubicBezTo>
+                  <a:pt x="1439209" y="19505"/>
+                  <a:pt x="1744369" y="9790"/>
+                  <a:pt x="1887955" y="0"/>
+                </a:cubicBezTo>
+                <a:cubicBezTo>
+                  <a:pt x="2031541" y="-9790"/>
+                  <a:pt x="2346378" y="21240"/>
+                  <a:pt x="2506423" y="0"/>
+                </a:cubicBezTo>
+                <a:cubicBezTo>
+                  <a:pt x="2666468" y="-21240"/>
+                  <a:pt x="2990257" y="30414"/>
+                  <a:pt x="3255095" y="0"/>
+                </a:cubicBezTo>
+                <a:cubicBezTo>
+                  <a:pt x="3254831" y="4493"/>
+                  <a:pt x="3255479" y="9472"/>
+                  <a:pt x="3255095" y="18288"/>
+                </a:cubicBezTo>
+                <a:cubicBezTo>
+                  <a:pt x="3120743" y="16690"/>
+                  <a:pt x="2759628" y="42462"/>
+                  <a:pt x="2604076" y="18288"/>
+                </a:cubicBezTo>
+                <a:cubicBezTo>
+                  <a:pt x="2448524" y="-5886"/>
+                  <a:pt x="2184336" y="19599"/>
+                  <a:pt x="1887955" y="18288"/>
+                </a:cubicBezTo>
+                <a:cubicBezTo>
+                  <a:pt x="1591574" y="16977"/>
+                  <a:pt x="1548845" y="6870"/>
+                  <a:pt x="1334589" y="18288"/>
+                </a:cubicBezTo>
+                <a:cubicBezTo>
+                  <a:pt x="1120333" y="29706"/>
+                  <a:pt x="996014" y="9662"/>
+                  <a:pt x="683570" y="18288"/>
+                </a:cubicBezTo>
+                <a:cubicBezTo>
+                  <a:pt x="371126" y="26914"/>
+                  <a:pt x="198687" y="16167"/>
+                  <a:pt x="0" y="18288"/>
+                </a:cubicBezTo>
+                <a:cubicBezTo>
+                  <a:pt x="843" y="9577"/>
+                  <a:pt x="371" y="6900"/>
+                  <a:pt x="0" y="0"/>
+                </a:cubicBezTo>
+                <a:close/>
+              </a:path>
+            </a:pathLst>
+          </a:custGeom>
+          <a:solidFill>
+            <a:schemeClr val="accent2"/>
+          </a:solidFill>
+          <a:ln w="38100" cap="rnd">
+            <a:solidFill>
+              <a:schemeClr val="accent2"/>
+            </a:solidFill>
+            <a:round/>
+            <a:extLst>
+              <a:ext uri="{C807C97D-BFC1-408E-A445-0C87EB9F89A2}">
+                <ask:lineSketchStyleProps xmlns:ask="http://schemas.microsoft.com/office/drawing/2018/sketchyshapes" sd="1219033472">
+                  <a:prstGeom prst="rect">
+                    <a:avLst/>
+                  </a:prstGeom>
+                  <ask:type>
+                    <ask:lineSketchFreehand/>
+                  </ask:type>
+                </ask:lineSketchStyleProps>
+              </a:ext>
+            </a:extLst>
+          </a:ln>
+        </p:spPr>
+        <p:style>
+          <a:lnRef idx="2">
+            <a:schemeClr val="accent1">
+              <a:shade val="50000"/>
+            </a:schemeClr>
+          </a:lnRef>
+          <a:fillRef idx="1">
+            <a:schemeClr val="accent1"/>
+          </a:fillRef>
+          <a:effectRef idx="0">
+            <a:schemeClr val="accent1"/>
+          </a:effectRef>
+          <a:fontRef idx="minor">
+            <a:schemeClr val="lt1"/>
+          </a:fontRef>
+        </p:style>
+        <p:txBody>
+          <a:bodyPr rtlCol="0" anchor="ctr"/>
+          <a:lstStyle/>
+          <a:p>
+            <a:pPr algn="ctr"/>
+            <a:endParaRPr lang="en-US"/>
           </a:p>
         </p:txBody>
       </p:sp>
@@ -4258,42 +6402,85 @@
             <p:ph idx="1"/>
           </p:nvPr>
         </p:nvSpPr>
-        <p:spPr/>
-        <p:txBody>
-          <a:bodyPr/>
+        <p:spPr>
+          <a:xfrm>
+            <a:off x="630936" y="2660904"/>
+            <a:ext cx="4818888" cy="3547872"/>
+          </a:xfrm>
+        </p:spPr>
+        <p:txBody>
+          <a:bodyPr anchor="t">
+            <a:normAutofit/>
+          </a:bodyPr>
           <a:lstStyle/>
           <a:p>
             <a:pPr algn="l" rtl="0"/>
             <a:r>
-              <a:rPr lang="en-US" dirty="0"/>
+              <a:rPr lang="en-US" sz="1900" dirty="0"/>
               <a:t>We used graphs to better understand our data</a:t>
             </a:r>
           </a:p>
           <a:p>
             <a:pPr algn="l" rtl="0"/>
-            <a:endParaRPr lang="en-US" dirty="0"/>
+            <a:endParaRPr lang="en-US" sz="1900" dirty="0"/>
           </a:p>
           <a:p>
             <a:pPr algn="l" rtl="0"/>
             <a:r>
-              <a:rPr lang="en-US" dirty="0"/>
+              <a:rPr lang="en-US" sz="1900" dirty="0"/>
               <a:t>We plotted the most popular artists, weekday releases and more to get a better understanding of what are the key features for us</a:t>
             </a:r>
           </a:p>
           <a:p>
             <a:pPr algn="l" rtl="0"/>
-            <a:endParaRPr lang="en-US" dirty="0"/>
+            <a:endParaRPr lang="en-US" sz="1900" dirty="0"/>
           </a:p>
           <a:p>
             <a:pPr algn="l" rtl="0"/>
             <a:r>
-              <a:rPr lang="en-US" dirty="0"/>
+              <a:rPr lang="en-US" sz="1900" dirty="0"/>
               <a:t>We plotted a correlation heatmap and found 2 columns, energy and loudness, that were closely correlated.</a:t>
             </a:r>
-            <a:endParaRPr lang="he-IL" dirty="0"/>
-          </a:p>
-        </p:txBody>
-      </p:sp>
+            <a:endParaRPr lang="he-IL" sz="1900" dirty="0"/>
+          </a:p>
+        </p:txBody>
+      </p:sp>
+      <p:pic>
+        <p:nvPicPr>
+          <p:cNvPr id="5" name="תמונה 4">
+            <a:extLst>
+              <a:ext uri="{FF2B5EF4-FFF2-40B4-BE49-F238E27FC236}">
+                <a16:creationId xmlns:a16="http://schemas.microsoft.com/office/drawing/2014/main" id="{304D6AA5-BFC7-11B3-B31A-56EB510CD8EB}"/>
+              </a:ext>
+            </a:extLst>
+          </p:cNvPr>
+          <p:cNvPicPr>
+            <a:picLocks noChangeAspect="1"/>
+          </p:cNvPicPr>
+          <p:nvPr/>
+        </p:nvPicPr>
+        <p:blipFill>
+          <a:blip r:embed="rId2">
+            <a:extLst>
+              <a:ext uri="{28A0092B-C50C-407E-A947-70E740481C1C}">
+                <a14:useLocalDpi xmlns:a14="http://schemas.microsoft.com/office/drawing/2010/main" val="0"/>
+              </a:ext>
+            </a:extLst>
+          </a:blip>
+          <a:stretch>
+            <a:fillRect/>
+          </a:stretch>
+        </p:blipFill>
+        <p:spPr>
+          <a:xfrm>
+            <a:off x="6099048" y="1252237"/>
+            <a:ext cx="5458968" cy="4353526"/>
+          </a:xfrm>
+          <a:prstGeom prst="rect">
+            <a:avLst/>
+          </a:prstGeom>
+        </p:spPr>
+      </p:pic>
     </p:spTree>
     <p:extLst>
       <p:ext uri="{BB962C8B-B14F-4D97-AF65-F5344CB8AC3E}">
@@ -4310,6 +6497,14 @@
 <file path=ppt/slides/slide7.xml><?xml version="1.0" encoding="utf-8"?>
 <p:sld xmlns:a="http://schemas.openxmlformats.org/drawingml/2006/main" xmlns:r="http://schemas.openxmlformats.org/officeDocument/2006/relationships" xmlns:p="http://schemas.openxmlformats.org/presentationml/2006/main">
   <p:cSld>
+    <p:bg>
+      <p:bgPr>
+        <a:solidFill>
+          <a:schemeClr val="bg1"/>
+        </a:solidFill>
+        <a:effectLst/>
+      </p:bgPr>
+    </p:bg>
     <p:spTree>
       <p:nvGrpSpPr>
         <p:cNvPr id="1" name=""/>
@@ -4324,6 +6519,66 @@
           <a:chExt cx="0" cy="0"/>
         </a:xfrm>
       </p:grpSpPr>
+      <p:sp useBgFill="1">
+        <p:nvSpPr>
+          <p:cNvPr id="10" name="Rectangle 9">
+            <a:extLst>
+              <a:ext uri="{FF2B5EF4-FFF2-40B4-BE49-F238E27FC236}">
+                <a16:creationId xmlns:a16="http://schemas.microsoft.com/office/drawing/2014/main" id="{743AA782-23D1-4521-8CAD-47662984AA08}"/>
+              </a:ext>
+              <a:ext uri="{C183D7F6-B498-43B3-948B-1728B52AA6E4}">
+                <adec:decorative xmlns:adec="http://schemas.microsoft.com/office/drawing/2017/decorative" val="1"/>
+              </a:ext>
+            </a:extLst>
+          </p:cNvPr>
+          <p:cNvSpPr>
+            <a:spLocks noGrp="1" noRot="1" noChangeAspect="1" noMove="1" noResize="1" noEditPoints="1" noAdjustHandles="1" noChangeArrowheads="1" noChangeShapeType="1" noTextEdit="1"/>
+          </p:cNvSpPr>
+          <p:nvPr>
+            <p:extLst>
+              <p:ext uri="{386F3935-93C4-4BCD-93E2-E3B085C9AB24}">
+                <p16:designElem xmlns:p16="http://schemas.microsoft.com/office/powerpoint/2015/main" val="1"/>
+              </p:ext>
+            </p:extLst>
+          </p:nvPr>
+        </p:nvSpPr>
+        <p:spPr>
+          <a:xfrm>
+            <a:off x="0" y="0"/>
+            <a:ext cx="12192000" cy="6858000"/>
+          </a:xfrm>
+          <a:prstGeom prst="rect">
+            <a:avLst/>
+          </a:prstGeom>
+          <a:ln>
+            <a:noFill/>
+          </a:ln>
+        </p:spPr>
+        <p:style>
+          <a:lnRef idx="2">
+            <a:schemeClr val="accent1">
+              <a:shade val="50000"/>
+            </a:schemeClr>
+          </a:lnRef>
+          <a:fillRef idx="1">
+            <a:schemeClr val="accent1"/>
+          </a:fillRef>
+          <a:effectRef idx="0">
+            <a:schemeClr val="accent1"/>
+          </a:effectRef>
+          <a:fontRef idx="minor">
+            <a:schemeClr val="lt1"/>
+          </a:fontRef>
+        </p:style>
+        <p:txBody>
+          <a:bodyPr rtlCol="0" anchor="ctr"/>
+          <a:lstStyle/>
+          <a:p>
+            <a:pPr algn="ctr"/>
+            <a:endParaRPr lang="en-US"/>
+          </a:p>
+        </p:txBody>
+      </p:sp>
       <p:sp>
         <p:nvSpPr>
           <p:cNvPr id="2" name="כותרת 1">
@@ -4340,20 +6595,300 @@
             <p:ph type="title"/>
           </p:nvPr>
         </p:nvSpPr>
-        <p:spPr/>
-        <p:txBody>
-          <a:bodyPr/>
+        <p:spPr>
+          <a:xfrm>
+            <a:off x="630936" y="640080"/>
+            <a:ext cx="4818888" cy="1481328"/>
+          </a:xfrm>
+        </p:spPr>
+        <p:txBody>
+          <a:bodyPr anchor="b">
+            <a:normAutofit/>
+          </a:bodyPr>
           <a:lstStyle/>
           <a:p>
             <a:pPr algn="l" rtl="0"/>
             <a:r>
-              <a:rPr lang="en-US" b="1" i="0" dirty="0">
+              <a:rPr lang="en-US" sz="5000" b="1" i="0" dirty="0">
                 <a:effectLst/>
                 <a:latin typeface="Söhne"/>
               </a:rPr>
               <a:t>Prediction Models</a:t>
             </a:r>
-            <a:endParaRPr lang="he-IL" b="1" dirty="0"/>
+            <a:endParaRPr lang="he-IL" sz="5000" b="1" dirty="0"/>
+          </a:p>
+        </p:txBody>
+      </p:sp>
+      <p:sp>
+        <p:nvSpPr>
+          <p:cNvPr id="12" name="sketch line">
+            <a:extLst>
+              <a:ext uri="{FF2B5EF4-FFF2-40B4-BE49-F238E27FC236}">
+                <a16:creationId xmlns:a16="http://schemas.microsoft.com/office/drawing/2014/main" id="{71877DBC-BB60-40F0-AC93-2ACDBAAE60CE}"/>
+              </a:ext>
+              <a:ext uri="{C183D7F6-B498-43B3-948B-1728B52AA6E4}">
+                <adec:decorative xmlns:adec="http://schemas.microsoft.com/office/drawing/2017/decorative" val="1"/>
+              </a:ext>
+            </a:extLst>
+          </p:cNvPr>
+          <p:cNvSpPr>
+            <a:spLocks noGrp="1" noRot="1" noChangeAspect="1" noMove="1" noResize="1" noEditPoints="1" noAdjustHandles="1" noChangeArrowheads="1" noChangeShapeType="1" noTextEdit="1"/>
+          </p:cNvSpPr>
+          <p:nvPr>
+            <p:extLst>
+              <p:ext uri="{386F3935-93C4-4BCD-93E2-E3B085C9AB24}">
+                <p16:designElem xmlns:p16="http://schemas.microsoft.com/office/powerpoint/2015/main" val="1"/>
+              </p:ext>
+            </p:extLst>
+          </p:nvPr>
+        </p:nvSpPr>
+        <p:spPr>
+          <a:xfrm>
+            <a:off x="643278" y="2372868"/>
+            <a:ext cx="3255095" cy="18288"/>
+          </a:xfrm>
+          <a:custGeom>
+            <a:avLst/>
+            <a:gdLst>
+              <a:gd name="connsiteX0" fmla="*/ 0 w 3255095"/>
+              <a:gd name="connsiteY0" fmla="*/ 0 h 18288"/>
+              <a:gd name="connsiteX1" fmla="*/ 618468 w 3255095"/>
+              <a:gd name="connsiteY1" fmla="*/ 0 h 18288"/>
+              <a:gd name="connsiteX2" fmla="*/ 1269487 w 3255095"/>
+              <a:gd name="connsiteY2" fmla="*/ 0 h 18288"/>
+              <a:gd name="connsiteX3" fmla="*/ 1953057 w 3255095"/>
+              <a:gd name="connsiteY3" fmla="*/ 0 h 18288"/>
+              <a:gd name="connsiteX4" fmla="*/ 2636627 w 3255095"/>
+              <a:gd name="connsiteY4" fmla="*/ 0 h 18288"/>
+              <a:gd name="connsiteX5" fmla="*/ 3255095 w 3255095"/>
+              <a:gd name="connsiteY5" fmla="*/ 0 h 18288"/>
+              <a:gd name="connsiteX6" fmla="*/ 3255095 w 3255095"/>
+              <a:gd name="connsiteY6" fmla="*/ 18288 h 18288"/>
+              <a:gd name="connsiteX7" fmla="*/ 2538974 w 3255095"/>
+              <a:gd name="connsiteY7" fmla="*/ 18288 h 18288"/>
+              <a:gd name="connsiteX8" fmla="*/ 1822853 w 3255095"/>
+              <a:gd name="connsiteY8" fmla="*/ 18288 h 18288"/>
+              <a:gd name="connsiteX9" fmla="*/ 1171834 w 3255095"/>
+              <a:gd name="connsiteY9" fmla="*/ 18288 h 18288"/>
+              <a:gd name="connsiteX10" fmla="*/ 0 w 3255095"/>
+              <a:gd name="connsiteY10" fmla="*/ 18288 h 18288"/>
+              <a:gd name="connsiteX11" fmla="*/ 0 w 3255095"/>
+              <a:gd name="connsiteY11" fmla="*/ 0 h 18288"/>
+            </a:gdLst>
+            <a:ahLst/>
+            <a:cxnLst>
+              <a:cxn ang="0">
+                <a:pos x="connsiteX0" y="connsiteY0"/>
+              </a:cxn>
+              <a:cxn ang="0">
+                <a:pos x="connsiteX1" y="connsiteY1"/>
+              </a:cxn>
+              <a:cxn ang="0">
+                <a:pos x="connsiteX2" y="connsiteY2"/>
+              </a:cxn>
+              <a:cxn ang="0">
+                <a:pos x="connsiteX3" y="connsiteY3"/>
+              </a:cxn>
+              <a:cxn ang="0">
+                <a:pos x="connsiteX4" y="connsiteY4"/>
+              </a:cxn>
+              <a:cxn ang="0">
+                <a:pos x="connsiteX5" y="connsiteY5"/>
+              </a:cxn>
+              <a:cxn ang="0">
+                <a:pos x="connsiteX6" y="connsiteY6"/>
+              </a:cxn>
+              <a:cxn ang="0">
+                <a:pos x="connsiteX7" y="connsiteY7"/>
+              </a:cxn>
+              <a:cxn ang="0">
+                <a:pos x="connsiteX8" y="connsiteY8"/>
+              </a:cxn>
+              <a:cxn ang="0">
+                <a:pos x="connsiteX9" y="connsiteY9"/>
+              </a:cxn>
+              <a:cxn ang="0">
+                <a:pos x="connsiteX10" y="connsiteY10"/>
+              </a:cxn>
+              <a:cxn ang="0">
+                <a:pos x="connsiteX11" y="connsiteY11"/>
+              </a:cxn>
+            </a:cxnLst>
+            <a:rect l="l" t="t" r="r" b="b"/>
+            <a:pathLst>
+              <a:path w="3255095" h="18288" fill="none" extrusionOk="0">
+                <a:moveTo>
+                  <a:pt x="0" y="0"/>
+                </a:moveTo>
+                <a:cubicBezTo>
+                  <a:pt x="240201" y="-22123"/>
+                  <a:pt x="462021" y="-19623"/>
+                  <a:pt x="618468" y="0"/>
+                </a:cubicBezTo>
+                <a:cubicBezTo>
+                  <a:pt x="774915" y="19623"/>
+                  <a:pt x="974734" y="2035"/>
+                  <a:pt x="1269487" y="0"/>
+                </a:cubicBezTo>
+                <a:cubicBezTo>
+                  <a:pt x="1564240" y="-2035"/>
+                  <a:pt x="1733579" y="10639"/>
+                  <a:pt x="1953057" y="0"/>
+                </a:cubicBezTo>
+                <a:cubicBezTo>
+                  <a:pt x="2172535" y="-10639"/>
+                  <a:pt x="2453962" y="14018"/>
+                  <a:pt x="2636627" y="0"/>
+                </a:cubicBezTo>
+                <a:cubicBezTo>
+                  <a:pt x="2819292" y="-14018"/>
+                  <a:pt x="3121375" y="5399"/>
+                  <a:pt x="3255095" y="0"/>
+                </a:cubicBezTo>
+                <a:cubicBezTo>
+                  <a:pt x="3254386" y="8157"/>
+                  <a:pt x="3254682" y="12125"/>
+                  <a:pt x="3255095" y="18288"/>
+                </a:cubicBezTo>
+                <a:cubicBezTo>
+                  <a:pt x="3088545" y="23203"/>
+                  <a:pt x="2687475" y="7419"/>
+                  <a:pt x="2538974" y="18288"/>
+                </a:cubicBezTo>
+                <a:cubicBezTo>
+                  <a:pt x="2390473" y="29157"/>
+                  <a:pt x="2137381" y="-8959"/>
+                  <a:pt x="1822853" y="18288"/>
+                </a:cubicBezTo>
+                <a:cubicBezTo>
+                  <a:pt x="1508325" y="45535"/>
+                  <a:pt x="1466437" y="20385"/>
+                  <a:pt x="1171834" y="18288"/>
+                </a:cubicBezTo>
+                <a:cubicBezTo>
+                  <a:pt x="877231" y="16191"/>
+                  <a:pt x="561097" y="37643"/>
+                  <a:pt x="0" y="18288"/>
+                </a:cubicBezTo>
+                <a:cubicBezTo>
+                  <a:pt x="-46" y="12483"/>
+                  <a:pt x="-203" y="6491"/>
+                  <a:pt x="0" y="0"/>
+                </a:cubicBezTo>
+                <a:close/>
+              </a:path>
+              <a:path w="3255095" h="18288" stroke="0" extrusionOk="0">
+                <a:moveTo>
+                  <a:pt x="0" y="0"/>
+                </a:moveTo>
+                <a:cubicBezTo>
+                  <a:pt x="291965" y="19429"/>
+                  <a:pt x="363155" y="8568"/>
+                  <a:pt x="618468" y="0"/>
+                </a:cubicBezTo>
+                <a:cubicBezTo>
+                  <a:pt x="873781" y="-8568"/>
+                  <a:pt x="904459" y="-19505"/>
+                  <a:pt x="1171834" y="0"/>
+                </a:cubicBezTo>
+                <a:cubicBezTo>
+                  <a:pt x="1439209" y="19505"/>
+                  <a:pt x="1744369" y="9790"/>
+                  <a:pt x="1887955" y="0"/>
+                </a:cubicBezTo>
+                <a:cubicBezTo>
+                  <a:pt x="2031541" y="-9790"/>
+                  <a:pt x="2346378" y="21240"/>
+                  <a:pt x="2506423" y="0"/>
+                </a:cubicBezTo>
+                <a:cubicBezTo>
+                  <a:pt x="2666468" y="-21240"/>
+                  <a:pt x="2990257" y="30414"/>
+                  <a:pt x="3255095" y="0"/>
+                </a:cubicBezTo>
+                <a:cubicBezTo>
+                  <a:pt x="3254831" y="4493"/>
+                  <a:pt x="3255479" y="9472"/>
+                  <a:pt x="3255095" y="18288"/>
+                </a:cubicBezTo>
+                <a:cubicBezTo>
+                  <a:pt x="3120743" y="16690"/>
+                  <a:pt x="2759628" y="42462"/>
+                  <a:pt x="2604076" y="18288"/>
+                </a:cubicBezTo>
+                <a:cubicBezTo>
+                  <a:pt x="2448524" y="-5886"/>
+                  <a:pt x="2184336" y="19599"/>
+                  <a:pt x="1887955" y="18288"/>
+                </a:cubicBezTo>
+                <a:cubicBezTo>
+                  <a:pt x="1591574" y="16977"/>
+                  <a:pt x="1548845" y="6870"/>
+                  <a:pt x="1334589" y="18288"/>
+                </a:cubicBezTo>
+                <a:cubicBezTo>
+                  <a:pt x="1120333" y="29706"/>
+                  <a:pt x="996014" y="9662"/>
+                  <a:pt x="683570" y="18288"/>
+                </a:cubicBezTo>
+                <a:cubicBezTo>
+                  <a:pt x="371126" y="26914"/>
+                  <a:pt x="198687" y="16167"/>
+                  <a:pt x="0" y="18288"/>
+                </a:cubicBezTo>
+                <a:cubicBezTo>
+                  <a:pt x="843" y="9577"/>
+                  <a:pt x="371" y="6900"/>
+                  <a:pt x="0" y="0"/>
+                </a:cubicBezTo>
+                <a:close/>
+              </a:path>
+            </a:pathLst>
+          </a:custGeom>
+          <a:solidFill>
+            <a:schemeClr val="accent2"/>
+          </a:solidFill>
+          <a:ln w="38100" cap="rnd">
+            <a:solidFill>
+              <a:schemeClr val="accent2"/>
+            </a:solidFill>
+            <a:round/>
+            <a:extLst>
+              <a:ext uri="{C807C97D-BFC1-408E-A445-0C87EB9F89A2}">
+                <ask:lineSketchStyleProps xmlns:ask="http://schemas.microsoft.com/office/drawing/2018/sketchyshapes" sd="1219033472">
+                  <a:prstGeom prst="rect">
+                    <a:avLst/>
+                  </a:prstGeom>
+                  <ask:type>
+                    <ask:lineSketchFreehand/>
+                  </ask:type>
+                </ask:lineSketchStyleProps>
+              </a:ext>
+            </a:extLst>
+          </a:ln>
+        </p:spPr>
+        <p:style>
+          <a:lnRef idx="2">
+            <a:schemeClr val="accent1">
+              <a:shade val="50000"/>
+            </a:schemeClr>
+          </a:lnRef>
+          <a:fillRef idx="1">
+            <a:schemeClr val="accent1"/>
+          </a:fillRef>
+          <a:effectRef idx="0">
+            <a:schemeClr val="accent1"/>
+          </a:effectRef>
+          <a:fontRef idx="minor">
+            <a:schemeClr val="lt1"/>
+          </a:fontRef>
+        </p:style>
+        <p:txBody>
+          <a:bodyPr rtlCol="0" anchor="ctr"/>
+          <a:lstStyle/>
+          <a:p>
+            <a:pPr algn="ctr"/>
+            <a:endParaRPr lang="en-US"/>
           </a:p>
         </p:txBody>
       </p:sp>
@@ -4373,47 +6908,90 @@
             <p:ph idx="1"/>
           </p:nvPr>
         </p:nvSpPr>
-        <p:spPr/>
-        <p:txBody>
-          <a:bodyPr/>
+        <p:spPr>
+          <a:xfrm>
+            <a:off x="630936" y="2660904"/>
+            <a:ext cx="4818888" cy="3547872"/>
+          </a:xfrm>
+        </p:spPr>
+        <p:txBody>
+          <a:bodyPr anchor="t">
+            <a:normAutofit/>
+          </a:bodyPr>
           <a:lstStyle/>
           <a:p>
             <a:pPr algn="l" rtl="0"/>
             <a:r>
-              <a:rPr lang="en-US" dirty="0"/>
+              <a:rPr lang="en-US" sz="2200" dirty="0"/>
               <a:t>SVC model</a:t>
             </a:r>
           </a:p>
           <a:p>
             <a:pPr algn="l" rtl="0"/>
             <a:r>
-              <a:rPr lang="en-US" dirty="0"/>
+              <a:rPr lang="en-US" sz="2200" dirty="0"/>
               <a:t>Naive Bayes</a:t>
             </a:r>
           </a:p>
           <a:p>
             <a:pPr algn="l" rtl="0"/>
             <a:r>
-              <a:rPr lang="en-US" dirty="0"/>
+              <a:rPr lang="en-US" sz="2200" dirty="0"/>
               <a:t>Decision Tree</a:t>
             </a:r>
           </a:p>
           <a:p>
             <a:pPr algn="l" rtl="0"/>
             <a:r>
-              <a:rPr lang="en-US" dirty="0"/>
+              <a:rPr lang="en-US" sz="2200" dirty="0"/>
               <a:t>KNN</a:t>
             </a:r>
           </a:p>
           <a:p>
             <a:pPr algn="l" rtl="0"/>
             <a:r>
-              <a:rPr lang="en-US" dirty="0"/>
+              <a:rPr lang="en-US" sz="2200" dirty="0"/>
               <a:t>Random Forest</a:t>
             </a:r>
           </a:p>
         </p:txBody>
       </p:sp>
+      <p:pic>
+        <p:nvPicPr>
+          <p:cNvPr id="5" name="תמונה 4">
+            <a:extLst>
+              <a:ext uri="{FF2B5EF4-FFF2-40B4-BE49-F238E27FC236}">
+                <a16:creationId xmlns:a16="http://schemas.microsoft.com/office/drawing/2014/main" id="{53AE746A-B819-296B-224C-67107FFA62D8}"/>
+              </a:ext>
+            </a:extLst>
+          </p:cNvPr>
+          <p:cNvPicPr>
+            <a:picLocks noChangeAspect="1"/>
+          </p:cNvPicPr>
+          <p:nvPr/>
+        </p:nvPicPr>
+        <p:blipFill>
+          <a:blip r:embed="rId2">
+            <a:extLst>
+              <a:ext uri="{28A0092B-C50C-407E-A947-70E740481C1C}">
+                <a14:useLocalDpi xmlns:a14="http://schemas.microsoft.com/office/drawing/2010/main" val="0"/>
+              </a:ext>
+            </a:extLst>
+          </a:blip>
+          <a:stretch>
+            <a:fillRect/>
+          </a:stretch>
+        </p:blipFill>
+        <p:spPr>
+          <a:xfrm>
+            <a:off x="6099048" y="1545656"/>
+            <a:ext cx="5458968" cy="3766687"/>
+          </a:xfrm>
+          <a:prstGeom prst="rect">
+            <a:avLst/>
+          </a:prstGeom>
+        </p:spPr>
+      </p:pic>
     </p:spTree>
     <p:extLst>
       <p:ext uri="{BB962C8B-B14F-4D97-AF65-F5344CB8AC3E}">
@@ -4430,6 +7008,14 @@
 <file path=ppt/slides/slide8.xml><?xml version="1.0" encoding="utf-8"?>
 <p:sld xmlns:a="http://schemas.openxmlformats.org/drawingml/2006/main" xmlns:r="http://schemas.openxmlformats.org/officeDocument/2006/relationships" xmlns:p="http://schemas.openxmlformats.org/presentationml/2006/main">
   <p:cSld>
+    <p:bg>
+      <p:bgPr>
+        <a:solidFill>
+          <a:schemeClr val="bg1"/>
+        </a:solidFill>
+        <a:effectLst/>
+      </p:bgPr>
+    </p:bg>
     <p:spTree>
       <p:nvGrpSpPr>
         <p:cNvPr id="1" name=""/>
@@ -4444,12 +7030,72 @@
           <a:chExt cx="0" cy="0"/>
         </a:xfrm>
       </p:grpSpPr>
+      <p:sp useBgFill="1">
+        <p:nvSpPr>
+          <p:cNvPr id="17" name="Rectangle 9">
+            <a:extLst>
+              <a:ext uri="{FF2B5EF4-FFF2-40B4-BE49-F238E27FC236}">
+                <a16:creationId xmlns:a16="http://schemas.microsoft.com/office/drawing/2014/main" id="{743AA782-23D1-4521-8CAD-47662984AA08}"/>
+              </a:ext>
+              <a:ext uri="{C183D7F6-B498-43B3-948B-1728B52AA6E4}">
+                <adec:decorative xmlns:adec="http://schemas.microsoft.com/office/drawing/2017/decorative" val="1"/>
+              </a:ext>
+            </a:extLst>
+          </p:cNvPr>
+          <p:cNvSpPr>
+            <a:spLocks noGrp="1" noRot="1" noChangeAspect="1" noMove="1" noResize="1" noEditPoints="1" noAdjustHandles="1" noChangeArrowheads="1" noChangeShapeType="1" noTextEdit="1"/>
+          </p:cNvSpPr>
+          <p:nvPr>
+            <p:extLst>
+              <p:ext uri="{386F3935-93C4-4BCD-93E2-E3B085C9AB24}">
+                <p16:designElem xmlns:p16="http://schemas.microsoft.com/office/powerpoint/2015/main" val="1"/>
+              </p:ext>
+            </p:extLst>
+          </p:nvPr>
+        </p:nvSpPr>
+        <p:spPr>
+          <a:xfrm>
+            <a:off x="0" y="0"/>
+            <a:ext cx="12192000" cy="6858000"/>
+          </a:xfrm>
+          <a:prstGeom prst="rect">
+            <a:avLst/>
+          </a:prstGeom>
+          <a:ln>
+            <a:noFill/>
+          </a:ln>
+        </p:spPr>
+        <p:style>
+          <a:lnRef idx="2">
+            <a:schemeClr val="accent1">
+              <a:shade val="50000"/>
+            </a:schemeClr>
+          </a:lnRef>
+          <a:fillRef idx="1">
+            <a:schemeClr val="accent1"/>
+          </a:fillRef>
+          <a:effectRef idx="0">
+            <a:schemeClr val="accent1"/>
+          </a:effectRef>
+          <a:fontRef idx="minor">
+            <a:schemeClr val="lt1"/>
+          </a:fontRef>
+        </p:style>
+        <p:txBody>
+          <a:bodyPr rtlCol="0" anchor="ctr"/>
+          <a:lstStyle/>
+          <a:p>
+            <a:pPr algn="ctr"/>
+            <a:endParaRPr lang="en-US"/>
+          </a:p>
+        </p:txBody>
+      </p:sp>
       <p:sp>
         <p:nvSpPr>
           <p:cNvPr id="2" name="כותרת 1">
             <a:extLst>
               <a:ext uri="{FF2B5EF4-FFF2-40B4-BE49-F238E27FC236}">
-                <a16:creationId xmlns:a16="http://schemas.microsoft.com/office/drawing/2014/main" id="{3278B91A-A0F2-81D7-66D6-380CA3F3241B}"/>
+                <a16:creationId xmlns:a16="http://schemas.microsoft.com/office/drawing/2014/main" id="{DC4E8007-AE08-8AD9-2845-9BAD5BB5465E}"/>
               </a:ext>
             </a:extLst>
           </p:cNvPr>
@@ -4460,20 +7106,300 @@
             <p:ph type="title"/>
           </p:nvPr>
         </p:nvSpPr>
-        <p:spPr/>
-        <p:txBody>
-          <a:bodyPr/>
+        <p:spPr>
+          <a:xfrm>
+            <a:off x="630936" y="640080"/>
+            <a:ext cx="4818888" cy="1481328"/>
+          </a:xfrm>
+        </p:spPr>
+        <p:txBody>
+          <a:bodyPr anchor="b">
+            <a:normAutofit/>
+          </a:bodyPr>
           <a:lstStyle/>
           <a:p>
             <a:pPr algn="l" rtl="0"/>
             <a:r>
-              <a:rPr lang="en-US" b="1" i="0" dirty="0">
+              <a:rPr lang="en-US" sz="5400" b="1" i="0" dirty="0">
                 <a:effectLst/>
                 <a:latin typeface="Söhne"/>
               </a:rPr>
-              <a:t>Prediction Models - 2</a:t>
-            </a:r>
-            <a:endParaRPr lang="he-IL" b="1" dirty="0"/>
+              <a:t>Results</a:t>
+            </a:r>
+            <a:endParaRPr lang="he-IL" sz="5400" b="1" dirty="0"/>
+          </a:p>
+        </p:txBody>
+      </p:sp>
+      <p:sp>
+        <p:nvSpPr>
+          <p:cNvPr id="18" name="sketch line">
+            <a:extLst>
+              <a:ext uri="{FF2B5EF4-FFF2-40B4-BE49-F238E27FC236}">
+                <a16:creationId xmlns:a16="http://schemas.microsoft.com/office/drawing/2014/main" id="{71877DBC-BB60-40F0-AC93-2ACDBAAE60CE}"/>
+              </a:ext>
+              <a:ext uri="{C183D7F6-B498-43B3-948B-1728B52AA6E4}">
+                <adec:decorative xmlns:adec="http://schemas.microsoft.com/office/drawing/2017/decorative" val="1"/>
+              </a:ext>
+            </a:extLst>
+          </p:cNvPr>
+          <p:cNvSpPr>
+            <a:spLocks noGrp="1" noRot="1" noChangeAspect="1" noMove="1" noResize="1" noEditPoints="1" noAdjustHandles="1" noChangeArrowheads="1" noChangeShapeType="1" noTextEdit="1"/>
+          </p:cNvSpPr>
+          <p:nvPr>
+            <p:extLst>
+              <p:ext uri="{386F3935-93C4-4BCD-93E2-E3B085C9AB24}">
+                <p16:designElem xmlns:p16="http://schemas.microsoft.com/office/powerpoint/2015/main" val="1"/>
+              </p:ext>
+            </p:extLst>
+          </p:nvPr>
+        </p:nvSpPr>
+        <p:spPr>
+          <a:xfrm>
+            <a:off x="643278" y="2372868"/>
+            <a:ext cx="3255095" cy="18288"/>
+          </a:xfrm>
+          <a:custGeom>
+            <a:avLst/>
+            <a:gdLst>
+              <a:gd name="connsiteX0" fmla="*/ 0 w 3255095"/>
+              <a:gd name="connsiteY0" fmla="*/ 0 h 18288"/>
+              <a:gd name="connsiteX1" fmla="*/ 618468 w 3255095"/>
+              <a:gd name="connsiteY1" fmla="*/ 0 h 18288"/>
+              <a:gd name="connsiteX2" fmla="*/ 1269487 w 3255095"/>
+              <a:gd name="connsiteY2" fmla="*/ 0 h 18288"/>
+              <a:gd name="connsiteX3" fmla="*/ 1953057 w 3255095"/>
+              <a:gd name="connsiteY3" fmla="*/ 0 h 18288"/>
+              <a:gd name="connsiteX4" fmla="*/ 2636627 w 3255095"/>
+              <a:gd name="connsiteY4" fmla="*/ 0 h 18288"/>
+              <a:gd name="connsiteX5" fmla="*/ 3255095 w 3255095"/>
+              <a:gd name="connsiteY5" fmla="*/ 0 h 18288"/>
+              <a:gd name="connsiteX6" fmla="*/ 3255095 w 3255095"/>
+              <a:gd name="connsiteY6" fmla="*/ 18288 h 18288"/>
+              <a:gd name="connsiteX7" fmla="*/ 2538974 w 3255095"/>
+              <a:gd name="connsiteY7" fmla="*/ 18288 h 18288"/>
+              <a:gd name="connsiteX8" fmla="*/ 1822853 w 3255095"/>
+              <a:gd name="connsiteY8" fmla="*/ 18288 h 18288"/>
+              <a:gd name="connsiteX9" fmla="*/ 1171834 w 3255095"/>
+              <a:gd name="connsiteY9" fmla="*/ 18288 h 18288"/>
+              <a:gd name="connsiteX10" fmla="*/ 0 w 3255095"/>
+              <a:gd name="connsiteY10" fmla="*/ 18288 h 18288"/>
+              <a:gd name="connsiteX11" fmla="*/ 0 w 3255095"/>
+              <a:gd name="connsiteY11" fmla="*/ 0 h 18288"/>
+            </a:gdLst>
+            <a:ahLst/>
+            <a:cxnLst>
+              <a:cxn ang="0">
+                <a:pos x="connsiteX0" y="connsiteY0"/>
+              </a:cxn>
+              <a:cxn ang="0">
+                <a:pos x="connsiteX1" y="connsiteY1"/>
+              </a:cxn>
+              <a:cxn ang="0">
+                <a:pos x="connsiteX2" y="connsiteY2"/>
+              </a:cxn>
+              <a:cxn ang="0">
+                <a:pos x="connsiteX3" y="connsiteY3"/>
+              </a:cxn>
+              <a:cxn ang="0">
+                <a:pos x="connsiteX4" y="connsiteY4"/>
+              </a:cxn>
+              <a:cxn ang="0">
+                <a:pos x="connsiteX5" y="connsiteY5"/>
+              </a:cxn>
+              <a:cxn ang="0">
+                <a:pos x="connsiteX6" y="connsiteY6"/>
+              </a:cxn>
+              <a:cxn ang="0">
+                <a:pos x="connsiteX7" y="connsiteY7"/>
+              </a:cxn>
+              <a:cxn ang="0">
+                <a:pos x="connsiteX8" y="connsiteY8"/>
+              </a:cxn>
+              <a:cxn ang="0">
+                <a:pos x="connsiteX9" y="connsiteY9"/>
+              </a:cxn>
+              <a:cxn ang="0">
+                <a:pos x="connsiteX10" y="connsiteY10"/>
+              </a:cxn>
+              <a:cxn ang="0">
+                <a:pos x="connsiteX11" y="connsiteY11"/>
+              </a:cxn>
+            </a:cxnLst>
+            <a:rect l="l" t="t" r="r" b="b"/>
+            <a:pathLst>
+              <a:path w="3255095" h="18288" fill="none" extrusionOk="0">
+                <a:moveTo>
+                  <a:pt x="0" y="0"/>
+                </a:moveTo>
+                <a:cubicBezTo>
+                  <a:pt x="240201" y="-22123"/>
+                  <a:pt x="462021" y="-19623"/>
+                  <a:pt x="618468" y="0"/>
+                </a:cubicBezTo>
+                <a:cubicBezTo>
+                  <a:pt x="774915" y="19623"/>
+                  <a:pt x="974734" y="2035"/>
+                  <a:pt x="1269487" y="0"/>
+                </a:cubicBezTo>
+                <a:cubicBezTo>
+                  <a:pt x="1564240" y="-2035"/>
+                  <a:pt x="1733579" y="10639"/>
+                  <a:pt x="1953057" y="0"/>
+                </a:cubicBezTo>
+                <a:cubicBezTo>
+                  <a:pt x="2172535" y="-10639"/>
+                  <a:pt x="2453962" y="14018"/>
+                  <a:pt x="2636627" y="0"/>
+                </a:cubicBezTo>
+                <a:cubicBezTo>
+                  <a:pt x="2819292" y="-14018"/>
+                  <a:pt x="3121375" y="5399"/>
+                  <a:pt x="3255095" y="0"/>
+                </a:cubicBezTo>
+                <a:cubicBezTo>
+                  <a:pt x="3254386" y="8157"/>
+                  <a:pt x="3254682" y="12125"/>
+                  <a:pt x="3255095" y="18288"/>
+                </a:cubicBezTo>
+                <a:cubicBezTo>
+                  <a:pt x="3088545" y="23203"/>
+                  <a:pt x="2687475" y="7419"/>
+                  <a:pt x="2538974" y="18288"/>
+                </a:cubicBezTo>
+                <a:cubicBezTo>
+                  <a:pt x="2390473" y="29157"/>
+                  <a:pt x="2137381" y="-8959"/>
+                  <a:pt x="1822853" y="18288"/>
+                </a:cubicBezTo>
+                <a:cubicBezTo>
+                  <a:pt x="1508325" y="45535"/>
+                  <a:pt x="1466437" y="20385"/>
+                  <a:pt x="1171834" y="18288"/>
+                </a:cubicBezTo>
+                <a:cubicBezTo>
+                  <a:pt x="877231" y="16191"/>
+                  <a:pt x="561097" y="37643"/>
+                  <a:pt x="0" y="18288"/>
+                </a:cubicBezTo>
+                <a:cubicBezTo>
+                  <a:pt x="-46" y="12483"/>
+                  <a:pt x="-203" y="6491"/>
+                  <a:pt x="0" y="0"/>
+                </a:cubicBezTo>
+                <a:close/>
+              </a:path>
+              <a:path w="3255095" h="18288" stroke="0" extrusionOk="0">
+                <a:moveTo>
+                  <a:pt x="0" y="0"/>
+                </a:moveTo>
+                <a:cubicBezTo>
+                  <a:pt x="291965" y="19429"/>
+                  <a:pt x="363155" y="8568"/>
+                  <a:pt x="618468" y="0"/>
+                </a:cubicBezTo>
+                <a:cubicBezTo>
+                  <a:pt x="873781" y="-8568"/>
+                  <a:pt x="904459" y="-19505"/>
+                  <a:pt x="1171834" y="0"/>
+                </a:cubicBezTo>
+                <a:cubicBezTo>
+                  <a:pt x="1439209" y="19505"/>
+                  <a:pt x="1744369" y="9790"/>
+                  <a:pt x="1887955" y="0"/>
+                </a:cubicBezTo>
+                <a:cubicBezTo>
+                  <a:pt x="2031541" y="-9790"/>
+                  <a:pt x="2346378" y="21240"/>
+                  <a:pt x="2506423" y="0"/>
+                </a:cubicBezTo>
+                <a:cubicBezTo>
+                  <a:pt x="2666468" y="-21240"/>
+                  <a:pt x="2990257" y="30414"/>
+                  <a:pt x="3255095" y="0"/>
+                </a:cubicBezTo>
+                <a:cubicBezTo>
+                  <a:pt x="3254831" y="4493"/>
+                  <a:pt x="3255479" y="9472"/>
+                  <a:pt x="3255095" y="18288"/>
+                </a:cubicBezTo>
+                <a:cubicBezTo>
+                  <a:pt x="3120743" y="16690"/>
+                  <a:pt x="2759628" y="42462"/>
+                  <a:pt x="2604076" y="18288"/>
+                </a:cubicBezTo>
+                <a:cubicBezTo>
+                  <a:pt x="2448524" y="-5886"/>
+                  <a:pt x="2184336" y="19599"/>
+                  <a:pt x="1887955" y="18288"/>
+                </a:cubicBezTo>
+                <a:cubicBezTo>
+                  <a:pt x="1591574" y="16977"/>
+                  <a:pt x="1548845" y="6870"/>
+                  <a:pt x="1334589" y="18288"/>
+                </a:cubicBezTo>
+                <a:cubicBezTo>
+                  <a:pt x="1120333" y="29706"/>
+                  <a:pt x="996014" y="9662"/>
+                  <a:pt x="683570" y="18288"/>
+                </a:cubicBezTo>
+                <a:cubicBezTo>
+                  <a:pt x="371126" y="26914"/>
+                  <a:pt x="198687" y="16167"/>
+                  <a:pt x="0" y="18288"/>
+                </a:cubicBezTo>
+                <a:cubicBezTo>
+                  <a:pt x="843" y="9577"/>
+                  <a:pt x="371" y="6900"/>
+                  <a:pt x="0" y="0"/>
+                </a:cubicBezTo>
+                <a:close/>
+              </a:path>
+            </a:pathLst>
+          </a:custGeom>
+          <a:solidFill>
+            <a:schemeClr val="accent2"/>
+          </a:solidFill>
+          <a:ln w="38100" cap="rnd">
+            <a:solidFill>
+              <a:schemeClr val="accent2"/>
+            </a:solidFill>
+            <a:round/>
+            <a:extLst>
+              <a:ext uri="{C807C97D-BFC1-408E-A445-0C87EB9F89A2}">
+                <ask:lineSketchStyleProps xmlns:ask="http://schemas.microsoft.com/office/drawing/2018/sketchyshapes" sd="1219033472">
+                  <a:prstGeom prst="rect">
+                    <a:avLst/>
+                  </a:prstGeom>
+                  <ask:type>
+                    <ask:lineSketchFreehand/>
+                  </ask:type>
+                </ask:lineSketchStyleProps>
+              </a:ext>
+            </a:extLst>
+          </a:ln>
+        </p:spPr>
+        <p:style>
+          <a:lnRef idx="2">
+            <a:schemeClr val="accent1">
+              <a:shade val="50000"/>
+            </a:schemeClr>
+          </a:lnRef>
+          <a:fillRef idx="1">
+            <a:schemeClr val="accent1"/>
+          </a:fillRef>
+          <a:effectRef idx="0">
+            <a:schemeClr val="accent1"/>
+          </a:effectRef>
+          <a:fontRef idx="minor">
+            <a:schemeClr val="lt1"/>
+          </a:fontRef>
+        </p:style>
+        <p:txBody>
+          <a:bodyPr rtlCol="0" anchor="ctr"/>
+          <a:lstStyle/>
+          <a:p>
+            <a:pPr algn="ctr"/>
+            <a:endParaRPr lang="en-US"/>
           </a:p>
         </p:txBody>
       </p:sp>
@@ -4482,7 +7408,7 @@
           <p:cNvPr id="3" name="מציין מיקום תוכן 2">
             <a:extLst>
               <a:ext uri="{FF2B5EF4-FFF2-40B4-BE49-F238E27FC236}">
-                <a16:creationId xmlns:a16="http://schemas.microsoft.com/office/drawing/2014/main" id="{44D45D9E-FE2D-FACD-9B90-5D197E0E9984}"/>
+                <a16:creationId xmlns:a16="http://schemas.microsoft.com/office/drawing/2014/main" id="{98A3EB7D-911C-38F8-ABC1-78B9CFB0BE2A}"/>
               </a:ext>
             </a:extLst>
           </p:cNvPr>
@@ -4493,24 +7419,117 @@
             <p:ph idx="1"/>
           </p:nvPr>
         </p:nvSpPr>
-        <p:spPr/>
-        <p:txBody>
-          <a:bodyPr/>
+        <p:spPr>
+          <a:xfrm>
+            <a:off x="630936" y="2660904"/>
+            <a:ext cx="4818888" cy="3547872"/>
+          </a:xfrm>
+        </p:spPr>
+        <p:txBody>
+          <a:bodyPr anchor="t">
+            <a:normAutofit/>
+          </a:bodyPr>
           <a:lstStyle/>
           <a:p>
             <a:pPr algn="l" rtl="0"/>
             <a:r>
-              <a:rPr lang="en-US" dirty="0"/>
-              <a:t>Linear Regression</a:t>
-            </a:r>
-            <a:endParaRPr lang="he-IL" dirty="0"/>
-          </a:p>
-        </p:txBody>
-      </p:sp>
+              <a:rPr lang="en-US" sz="2200" i="0" dirty="0">
+                <a:effectLst/>
+                <a:latin typeface="Söhne"/>
+              </a:rPr>
+              <a:t>We built several prediction models and evaluated their performance.</a:t>
+            </a:r>
+          </a:p>
+          <a:p>
+            <a:pPr algn="l" rtl="0"/>
+            <a:r>
+              <a:rPr lang="en-US" sz="2200" i="0" dirty="0">
+                <a:effectLst/>
+                <a:latin typeface="Söhne"/>
+              </a:rPr>
+              <a:t>The best model achieved an accuracy score of </a:t>
+            </a:r>
+            <a:r>
+              <a:rPr lang="en-US" sz="2200" i="0" u="sng" dirty="0">
+                <a:effectLst/>
+                <a:latin typeface="Söhne"/>
+              </a:rPr>
+              <a:t>0.889</a:t>
+            </a:r>
+            <a:r>
+              <a:rPr lang="en-US" sz="2200" i="0" dirty="0">
+                <a:effectLst/>
+                <a:latin typeface="Söhne"/>
+              </a:rPr>
+              <a:t>.</a:t>
+            </a:r>
+          </a:p>
+          <a:p>
+            <a:pPr algn="l" rtl="0"/>
+            <a:r>
+              <a:rPr lang="en-US" sz="2200" i="0" dirty="0">
+                <a:effectLst/>
+                <a:latin typeface="Söhne"/>
+              </a:rPr>
+              <a:t>This means that we were able to correctly predict whether a song would become a hit 89% of the time.</a:t>
+            </a:r>
+            <a:endParaRPr lang="en-US" sz="2200" dirty="0">
+              <a:latin typeface="Söhne"/>
+            </a:endParaRPr>
+          </a:p>
+          <a:p>
+            <a:pPr algn="l" rtl="0"/>
+            <a:r>
+              <a:rPr lang="en-US" sz="2200" i="0" dirty="0">
+                <a:effectLst/>
+                <a:latin typeface="Söhne"/>
+              </a:rPr>
+              <a:t>This is a promising result and suggests that we can use machine learning to predict hit songs.</a:t>
+            </a:r>
+            <a:endParaRPr lang="he-IL" sz="2200" dirty="0"/>
+          </a:p>
+        </p:txBody>
+      </p:sp>
+      <p:pic>
+        <p:nvPicPr>
+          <p:cNvPr id="5" name="תמונה 4">
+            <a:extLst>
+              <a:ext uri="{FF2B5EF4-FFF2-40B4-BE49-F238E27FC236}">
+                <a16:creationId xmlns:a16="http://schemas.microsoft.com/office/drawing/2014/main" id="{E8204EA8-C805-3F86-7BA0-8CB35CC3F6A8}"/>
+              </a:ext>
+            </a:extLst>
+          </p:cNvPr>
+          <p:cNvPicPr>
+            <a:picLocks noChangeAspect="1"/>
+          </p:cNvPicPr>
+          <p:nvPr/>
+        </p:nvPicPr>
+        <p:blipFill>
+          <a:blip r:embed="rId2">
+            <a:extLst>
+              <a:ext uri="{28A0092B-C50C-407E-A947-70E740481C1C}">
+                <a14:useLocalDpi xmlns:a14="http://schemas.microsoft.com/office/drawing/2010/main" val="0"/>
+              </a:ext>
+            </a:extLst>
+          </a:blip>
+          <a:stretch>
+            <a:fillRect/>
+          </a:stretch>
+        </p:blipFill>
+        <p:spPr>
+          <a:xfrm>
+            <a:off x="6099048" y="1675307"/>
+            <a:ext cx="5458968" cy="3507386"/>
+          </a:xfrm>
+          <a:prstGeom prst="rect">
+            <a:avLst/>
+          </a:prstGeom>
+        </p:spPr>
+      </p:pic>
     </p:spTree>
     <p:extLst>
       <p:ext uri="{BB962C8B-B14F-4D97-AF65-F5344CB8AC3E}">
-        <p14:creationId xmlns:p14="http://schemas.microsoft.com/office/powerpoint/2010/main" val="1399450362"/>
+        <p14:creationId xmlns:p14="http://schemas.microsoft.com/office/powerpoint/2010/main" val="3751348324"/>
       </p:ext>
     </p:extLst>
   </p:cSld>
@@ -4523,6 +7542,14 @@
 <file path=ppt/slides/slide9.xml><?xml version="1.0" encoding="utf-8"?>
 <p:sld xmlns:a="http://schemas.openxmlformats.org/drawingml/2006/main" xmlns:r="http://schemas.openxmlformats.org/officeDocument/2006/relationships" xmlns:p="http://schemas.openxmlformats.org/presentationml/2006/main">
   <p:cSld>
+    <p:bg>
+      <p:bgPr>
+        <a:solidFill>
+          <a:schemeClr val="bg1"/>
+        </a:solidFill>
+        <a:effectLst/>
+      </p:bgPr>
+    </p:bg>
     <p:spTree>
       <p:nvGrpSpPr>
         <p:cNvPr id="1" name=""/>
@@ -4537,12 +7564,72 @@
           <a:chExt cx="0" cy="0"/>
         </a:xfrm>
       </p:grpSpPr>
+      <p:sp useBgFill="1">
+        <p:nvSpPr>
+          <p:cNvPr id="10" name="Rectangle 9">
+            <a:extLst>
+              <a:ext uri="{FF2B5EF4-FFF2-40B4-BE49-F238E27FC236}">
+                <a16:creationId xmlns:a16="http://schemas.microsoft.com/office/drawing/2014/main" id="{743AA782-23D1-4521-8CAD-47662984AA08}"/>
+              </a:ext>
+              <a:ext uri="{C183D7F6-B498-43B3-948B-1728B52AA6E4}">
+                <adec:decorative xmlns:adec="http://schemas.microsoft.com/office/drawing/2017/decorative" val="1"/>
+              </a:ext>
+            </a:extLst>
+          </p:cNvPr>
+          <p:cNvSpPr>
+            <a:spLocks noGrp="1" noRot="1" noChangeAspect="1" noMove="1" noResize="1" noEditPoints="1" noAdjustHandles="1" noChangeArrowheads="1" noChangeShapeType="1" noTextEdit="1"/>
+          </p:cNvSpPr>
+          <p:nvPr>
+            <p:extLst>
+              <p:ext uri="{386F3935-93C4-4BCD-93E2-E3B085C9AB24}">
+                <p16:designElem xmlns:p16="http://schemas.microsoft.com/office/powerpoint/2015/main" val="1"/>
+              </p:ext>
+            </p:extLst>
+          </p:nvPr>
+        </p:nvSpPr>
+        <p:spPr>
+          <a:xfrm>
+            <a:off x="0" y="0"/>
+            <a:ext cx="12192000" cy="6858000"/>
+          </a:xfrm>
+          <a:prstGeom prst="rect">
+            <a:avLst/>
+          </a:prstGeom>
+          <a:ln>
+            <a:noFill/>
+          </a:ln>
+        </p:spPr>
+        <p:style>
+          <a:lnRef idx="2">
+            <a:schemeClr val="accent1">
+              <a:shade val="50000"/>
+            </a:schemeClr>
+          </a:lnRef>
+          <a:fillRef idx="1">
+            <a:schemeClr val="accent1"/>
+          </a:fillRef>
+          <a:effectRef idx="0">
+            <a:schemeClr val="accent1"/>
+          </a:effectRef>
+          <a:fontRef idx="minor">
+            <a:schemeClr val="lt1"/>
+          </a:fontRef>
+        </p:style>
+        <p:txBody>
+          <a:bodyPr rtlCol="0" anchor="ctr"/>
+          <a:lstStyle/>
+          <a:p>
+            <a:pPr algn="ctr"/>
+            <a:endParaRPr lang="en-US"/>
+          </a:p>
+        </p:txBody>
+      </p:sp>
       <p:sp>
         <p:nvSpPr>
           <p:cNvPr id="2" name="כותרת 1">
             <a:extLst>
               <a:ext uri="{FF2B5EF4-FFF2-40B4-BE49-F238E27FC236}">
-                <a16:creationId xmlns:a16="http://schemas.microsoft.com/office/drawing/2014/main" id="{DC4E8007-AE08-8AD9-2845-9BAD5BB5465E}"/>
+                <a16:creationId xmlns:a16="http://schemas.microsoft.com/office/drawing/2014/main" id="{8D587D55-974C-FA7C-E2E8-AF6650E7AEEB}"/>
               </a:ext>
             </a:extLst>
           </p:cNvPr>
@@ -4553,20 +7640,300 @@
             <p:ph type="title"/>
           </p:nvPr>
         </p:nvSpPr>
-        <p:spPr/>
-        <p:txBody>
-          <a:bodyPr/>
+        <p:spPr>
+          <a:xfrm>
+            <a:off x="630936" y="640080"/>
+            <a:ext cx="4818888" cy="1481328"/>
+          </a:xfrm>
+        </p:spPr>
+        <p:txBody>
+          <a:bodyPr anchor="b">
+            <a:normAutofit/>
+          </a:bodyPr>
           <a:lstStyle/>
           <a:p>
             <a:pPr algn="l" rtl="0"/>
             <a:r>
-              <a:rPr lang="en-US" b="1" i="0" dirty="0">
+              <a:rPr lang="en-US" sz="5400" b="1" i="0" dirty="0">
                 <a:effectLst/>
                 <a:latin typeface="Söhne"/>
               </a:rPr>
-              <a:t>Results</a:t>
-            </a:r>
-            <a:endParaRPr lang="he-IL" b="1" dirty="0"/>
+              <a:t>Conclusion</a:t>
+            </a:r>
+            <a:endParaRPr lang="he-IL" sz="5400" b="1" dirty="0"/>
+          </a:p>
+        </p:txBody>
+      </p:sp>
+      <p:sp>
+        <p:nvSpPr>
+          <p:cNvPr id="12" name="sketch line">
+            <a:extLst>
+              <a:ext uri="{FF2B5EF4-FFF2-40B4-BE49-F238E27FC236}">
+                <a16:creationId xmlns:a16="http://schemas.microsoft.com/office/drawing/2014/main" id="{71877DBC-BB60-40F0-AC93-2ACDBAAE60CE}"/>
+              </a:ext>
+              <a:ext uri="{C183D7F6-B498-43B3-948B-1728B52AA6E4}">
+                <adec:decorative xmlns:adec="http://schemas.microsoft.com/office/drawing/2017/decorative" val="1"/>
+              </a:ext>
+            </a:extLst>
+          </p:cNvPr>
+          <p:cNvSpPr>
+            <a:spLocks noGrp="1" noRot="1" noChangeAspect="1" noMove="1" noResize="1" noEditPoints="1" noAdjustHandles="1" noChangeArrowheads="1" noChangeShapeType="1" noTextEdit="1"/>
+          </p:cNvSpPr>
+          <p:nvPr>
+            <p:extLst>
+              <p:ext uri="{386F3935-93C4-4BCD-93E2-E3B085C9AB24}">
+                <p16:designElem xmlns:p16="http://schemas.microsoft.com/office/powerpoint/2015/main" val="1"/>
+              </p:ext>
+            </p:extLst>
+          </p:nvPr>
+        </p:nvSpPr>
+        <p:spPr>
+          <a:xfrm>
+            <a:off x="643278" y="2372868"/>
+            <a:ext cx="3255095" cy="18288"/>
+          </a:xfrm>
+          <a:custGeom>
+            <a:avLst/>
+            <a:gdLst>
+              <a:gd name="connsiteX0" fmla="*/ 0 w 3255095"/>
+              <a:gd name="connsiteY0" fmla="*/ 0 h 18288"/>
+              <a:gd name="connsiteX1" fmla="*/ 618468 w 3255095"/>
+              <a:gd name="connsiteY1" fmla="*/ 0 h 18288"/>
+              <a:gd name="connsiteX2" fmla="*/ 1269487 w 3255095"/>
+              <a:gd name="connsiteY2" fmla="*/ 0 h 18288"/>
+              <a:gd name="connsiteX3" fmla="*/ 1953057 w 3255095"/>
+              <a:gd name="connsiteY3" fmla="*/ 0 h 18288"/>
+              <a:gd name="connsiteX4" fmla="*/ 2636627 w 3255095"/>
+              <a:gd name="connsiteY4" fmla="*/ 0 h 18288"/>
+              <a:gd name="connsiteX5" fmla="*/ 3255095 w 3255095"/>
+              <a:gd name="connsiteY5" fmla="*/ 0 h 18288"/>
+              <a:gd name="connsiteX6" fmla="*/ 3255095 w 3255095"/>
+              <a:gd name="connsiteY6" fmla="*/ 18288 h 18288"/>
+              <a:gd name="connsiteX7" fmla="*/ 2538974 w 3255095"/>
+              <a:gd name="connsiteY7" fmla="*/ 18288 h 18288"/>
+              <a:gd name="connsiteX8" fmla="*/ 1822853 w 3255095"/>
+              <a:gd name="connsiteY8" fmla="*/ 18288 h 18288"/>
+              <a:gd name="connsiteX9" fmla="*/ 1171834 w 3255095"/>
+              <a:gd name="connsiteY9" fmla="*/ 18288 h 18288"/>
+              <a:gd name="connsiteX10" fmla="*/ 0 w 3255095"/>
+              <a:gd name="connsiteY10" fmla="*/ 18288 h 18288"/>
+              <a:gd name="connsiteX11" fmla="*/ 0 w 3255095"/>
+              <a:gd name="connsiteY11" fmla="*/ 0 h 18288"/>
+            </a:gdLst>
+            <a:ahLst/>
+            <a:cxnLst>
+              <a:cxn ang="0">
+                <a:pos x="connsiteX0" y="connsiteY0"/>
+              </a:cxn>
+              <a:cxn ang="0">
+                <a:pos x="connsiteX1" y="connsiteY1"/>
+              </a:cxn>
+              <a:cxn ang="0">
+                <a:pos x="connsiteX2" y="connsiteY2"/>
+              </a:cxn>
+              <a:cxn ang="0">
+                <a:pos x="connsiteX3" y="connsiteY3"/>
+              </a:cxn>
+              <a:cxn ang="0">
+                <a:pos x="connsiteX4" y="connsiteY4"/>
+              </a:cxn>
+              <a:cxn ang="0">
+                <a:pos x="connsiteX5" y="connsiteY5"/>
+              </a:cxn>
+              <a:cxn ang="0">
+                <a:pos x="connsiteX6" y="connsiteY6"/>
+              </a:cxn>
+              <a:cxn ang="0">
+                <a:pos x="connsiteX7" y="connsiteY7"/>
+              </a:cxn>
+              <a:cxn ang="0">
+                <a:pos x="connsiteX8" y="connsiteY8"/>
+              </a:cxn>
+              <a:cxn ang="0">
+                <a:pos x="connsiteX9" y="connsiteY9"/>
+              </a:cxn>
+              <a:cxn ang="0">
+                <a:pos x="connsiteX10" y="connsiteY10"/>
+              </a:cxn>
+              <a:cxn ang="0">
+                <a:pos x="connsiteX11" y="connsiteY11"/>
+              </a:cxn>
+            </a:cxnLst>
+            <a:rect l="l" t="t" r="r" b="b"/>
+            <a:pathLst>
+              <a:path w="3255095" h="18288" fill="none" extrusionOk="0">
+                <a:moveTo>
+                  <a:pt x="0" y="0"/>
+                </a:moveTo>
+                <a:cubicBezTo>
+                  <a:pt x="240201" y="-22123"/>
+                  <a:pt x="462021" y="-19623"/>
+                  <a:pt x="618468" y="0"/>
+                </a:cubicBezTo>
+                <a:cubicBezTo>
+                  <a:pt x="774915" y="19623"/>
+                  <a:pt x="974734" y="2035"/>
+                  <a:pt x="1269487" y="0"/>
+                </a:cubicBezTo>
+                <a:cubicBezTo>
+                  <a:pt x="1564240" y="-2035"/>
+                  <a:pt x="1733579" y="10639"/>
+                  <a:pt x="1953057" y="0"/>
+                </a:cubicBezTo>
+                <a:cubicBezTo>
+                  <a:pt x="2172535" y="-10639"/>
+                  <a:pt x="2453962" y="14018"/>
+                  <a:pt x="2636627" y="0"/>
+                </a:cubicBezTo>
+                <a:cubicBezTo>
+                  <a:pt x="2819292" y="-14018"/>
+                  <a:pt x="3121375" y="5399"/>
+                  <a:pt x="3255095" y="0"/>
+                </a:cubicBezTo>
+                <a:cubicBezTo>
+                  <a:pt x="3254386" y="8157"/>
+                  <a:pt x="3254682" y="12125"/>
+                  <a:pt x="3255095" y="18288"/>
+                </a:cubicBezTo>
+                <a:cubicBezTo>
+                  <a:pt x="3088545" y="23203"/>
+                  <a:pt x="2687475" y="7419"/>
+                  <a:pt x="2538974" y="18288"/>
+                </a:cubicBezTo>
+                <a:cubicBezTo>
+                  <a:pt x="2390473" y="29157"/>
+                  <a:pt x="2137381" y="-8959"/>
+                  <a:pt x="1822853" y="18288"/>
+                </a:cubicBezTo>
+                <a:cubicBezTo>
+                  <a:pt x="1508325" y="45535"/>
+                  <a:pt x="1466437" y="20385"/>
+                  <a:pt x="1171834" y="18288"/>
+                </a:cubicBezTo>
+                <a:cubicBezTo>
+                  <a:pt x="877231" y="16191"/>
+                  <a:pt x="561097" y="37643"/>
+                  <a:pt x="0" y="18288"/>
+                </a:cubicBezTo>
+                <a:cubicBezTo>
+                  <a:pt x="-46" y="12483"/>
+                  <a:pt x="-203" y="6491"/>
+                  <a:pt x="0" y="0"/>
+                </a:cubicBezTo>
+                <a:close/>
+              </a:path>
+              <a:path w="3255095" h="18288" stroke="0" extrusionOk="0">
+                <a:moveTo>
+                  <a:pt x="0" y="0"/>
+                </a:moveTo>
+                <a:cubicBezTo>
+                  <a:pt x="291965" y="19429"/>
+                  <a:pt x="363155" y="8568"/>
+                  <a:pt x="618468" y="0"/>
+                </a:cubicBezTo>
+                <a:cubicBezTo>
+                  <a:pt x="873781" y="-8568"/>
+                  <a:pt x="904459" y="-19505"/>
+                  <a:pt x="1171834" y="0"/>
+                </a:cubicBezTo>
+                <a:cubicBezTo>
+                  <a:pt x="1439209" y="19505"/>
+                  <a:pt x="1744369" y="9790"/>
+                  <a:pt x="1887955" y="0"/>
+                </a:cubicBezTo>
+                <a:cubicBezTo>
+                  <a:pt x="2031541" y="-9790"/>
+                  <a:pt x="2346378" y="21240"/>
+                  <a:pt x="2506423" y="0"/>
+                </a:cubicBezTo>
+                <a:cubicBezTo>
+                  <a:pt x="2666468" y="-21240"/>
+                  <a:pt x="2990257" y="30414"/>
+                  <a:pt x="3255095" y="0"/>
+                </a:cubicBezTo>
+                <a:cubicBezTo>
+                  <a:pt x="3254831" y="4493"/>
+                  <a:pt x="3255479" y="9472"/>
+                  <a:pt x="3255095" y="18288"/>
+                </a:cubicBezTo>
+                <a:cubicBezTo>
+                  <a:pt x="3120743" y="16690"/>
+                  <a:pt x="2759628" y="42462"/>
+                  <a:pt x="2604076" y="18288"/>
+                </a:cubicBezTo>
+                <a:cubicBezTo>
+                  <a:pt x="2448524" y="-5886"/>
+                  <a:pt x="2184336" y="19599"/>
+                  <a:pt x="1887955" y="18288"/>
+                </a:cubicBezTo>
+                <a:cubicBezTo>
+                  <a:pt x="1591574" y="16977"/>
+                  <a:pt x="1548845" y="6870"/>
+                  <a:pt x="1334589" y="18288"/>
+                </a:cubicBezTo>
+                <a:cubicBezTo>
+                  <a:pt x="1120333" y="29706"/>
+                  <a:pt x="996014" y="9662"/>
+                  <a:pt x="683570" y="18288"/>
+                </a:cubicBezTo>
+                <a:cubicBezTo>
+                  <a:pt x="371126" y="26914"/>
+                  <a:pt x="198687" y="16167"/>
+                  <a:pt x="0" y="18288"/>
+                </a:cubicBezTo>
+                <a:cubicBezTo>
+                  <a:pt x="843" y="9577"/>
+                  <a:pt x="371" y="6900"/>
+                  <a:pt x="0" y="0"/>
+                </a:cubicBezTo>
+                <a:close/>
+              </a:path>
+            </a:pathLst>
+          </a:custGeom>
+          <a:solidFill>
+            <a:schemeClr val="accent2"/>
+          </a:solidFill>
+          <a:ln w="38100" cap="rnd">
+            <a:solidFill>
+              <a:schemeClr val="accent2"/>
+            </a:solidFill>
+            <a:round/>
+            <a:extLst>
+              <a:ext uri="{C807C97D-BFC1-408E-A445-0C87EB9F89A2}">
+                <ask:lineSketchStyleProps xmlns:ask="http://schemas.microsoft.com/office/drawing/2018/sketchyshapes" sd="1219033472">
+                  <a:prstGeom prst="rect">
+                    <a:avLst/>
+                  </a:prstGeom>
+                  <ask:type>
+                    <ask:lineSketchFreehand/>
+                  </ask:type>
+                </ask:lineSketchStyleProps>
+              </a:ext>
+            </a:extLst>
+          </a:ln>
+        </p:spPr>
+        <p:style>
+          <a:lnRef idx="2">
+            <a:schemeClr val="accent1">
+              <a:shade val="50000"/>
+            </a:schemeClr>
+          </a:lnRef>
+          <a:fillRef idx="1">
+            <a:schemeClr val="accent1"/>
+          </a:fillRef>
+          <a:effectRef idx="0">
+            <a:schemeClr val="accent1"/>
+          </a:effectRef>
+          <a:fontRef idx="minor">
+            <a:schemeClr val="lt1"/>
+          </a:fontRef>
+        </p:style>
+        <p:txBody>
+          <a:bodyPr rtlCol="0" anchor="ctr"/>
+          <a:lstStyle/>
+          <a:p>
+            <a:pPr algn="ctr"/>
+            <a:endParaRPr lang="en-US"/>
           </a:p>
         </p:txBody>
       </p:sp>
@@ -4575,7 +7942,7 @@
           <p:cNvPr id="3" name="מציין מיקום תוכן 2">
             <a:extLst>
               <a:ext uri="{FF2B5EF4-FFF2-40B4-BE49-F238E27FC236}">
-                <a16:creationId xmlns:a16="http://schemas.microsoft.com/office/drawing/2014/main" id="{98A3EB7D-911C-38F8-ABC1-78B9CFB0BE2A}"/>
+                <a16:creationId xmlns:a16="http://schemas.microsoft.com/office/drawing/2014/main" id="{7F14F459-9828-4041-D1A4-7B8F65E1CCBE}"/>
               </a:ext>
             </a:extLst>
           </p:cNvPr>
@@ -4586,74 +7953,103 @@
             <p:ph idx="1"/>
           </p:nvPr>
         </p:nvSpPr>
-        <p:spPr/>
-        <p:txBody>
-          <a:bodyPr/>
+        <p:spPr>
+          <a:xfrm>
+            <a:off x="630936" y="2660904"/>
+            <a:ext cx="4818888" cy="3547872"/>
+          </a:xfrm>
+        </p:spPr>
+        <p:txBody>
+          <a:bodyPr anchor="t">
+            <a:normAutofit/>
+          </a:bodyPr>
           <a:lstStyle/>
           <a:p>
             <a:pPr algn="l" rtl="0"/>
             <a:r>
-              <a:rPr lang="en-US" i="0" dirty="0">
+              <a:rPr lang="en-US" sz="1700" b="0" i="0" dirty="0">
                 <a:effectLst/>
                 <a:latin typeface="Söhne"/>
               </a:rPr>
-              <a:t>We built several prediction models and evaluated their performance.</a:t>
+              <a:t>Our project set out to predict whether a song will become a hit based on multiple factors.</a:t>
             </a:r>
           </a:p>
           <a:p>
             <a:pPr algn="l" rtl="0"/>
             <a:r>
-              <a:rPr lang="en-US" i="0" dirty="0">
+              <a:rPr lang="en-US" sz="1700" b="0" i="0" dirty="0">
                 <a:effectLst/>
                 <a:latin typeface="Söhne"/>
               </a:rPr>
-              <a:t>The best model achieved an accuracy score of </a:t>
-            </a:r>
-            <a:r>
-              <a:rPr lang="en-US" i="0" u="sng" dirty="0">
+              <a:t>We scraped data from Wikipedia and enriched it with information from the Spotify API, cleaned the data, visualized it, and built prediction models.</a:t>
+            </a:r>
+            <a:endParaRPr lang="en-US" sz="1700" dirty="0">
+              <a:latin typeface="Söhne"/>
+            </a:endParaRPr>
+          </a:p>
+          <a:p>
+            <a:pPr algn="l" rtl="0"/>
+            <a:r>
+              <a:rPr lang="en-US" sz="1700" b="0" i="0" dirty="0">
                 <a:effectLst/>
                 <a:latin typeface="Söhne"/>
               </a:rPr>
-              <a:t>0.889</a:t>
-            </a:r>
-            <a:r>
-              <a:rPr lang="en-US" i="0" dirty="0">
+              <a:t>We achieved an accuracy score of 0.889 in predicting hit songs.</a:t>
+            </a:r>
+          </a:p>
+          <a:p>
+            <a:pPr algn="l" rtl="0"/>
+            <a:r>
+              <a:rPr lang="en-US" sz="1700" b="0" i="0" dirty="0">
                 <a:effectLst/>
                 <a:latin typeface="Söhne"/>
               </a:rPr>
-              <a:t>.</a:t>
-            </a:r>
-          </a:p>
-          <a:p>
-            <a:pPr algn="l" rtl="0"/>
-            <a:r>
-              <a:rPr lang="en-US" i="0" dirty="0">
-                <a:effectLst/>
-                <a:latin typeface="Söhne"/>
-              </a:rPr>
-              <a:t>This means that we were able to correctly predict whether a song would become a hit 89% of the time.</a:t>
-            </a:r>
-            <a:endParaRPr lang="en-US" dirty="0">
-              <a:latin typeface="Söhne"/>
-            </a:endParaRPr>
-          </a:p>
-          <a:p>
-            <a:pPr algn="l" rtl="0"/>
-            <a:r>
-              <a:rPr lang="en-US" i="0" dirty="0">
-                <a:effectLst/>
-                <a:latin typeface="Söhne"/>
-              </a:rPr>
-              <a:t>This is a promising result and suggests that we can use machine learning to predict hit songs.</a:t>
-            </a:r>
-            <a:endParaRPr lang="he-IL" dirty="0"/>
-          </a:p>
-        </p:txBody>
-      </p:sp>
+              <a:t>Our results suggest that machine learning can be used to predict which songs will become hits, which may have implications for the music industry.</a:t>
+            </a:r>
+            <a:endParaRPr lang="he-IL" sz="1700" dirty="0"/>
+          </a:p>
+        </p:txBody>
+      </p:sp>
+      <p:pic>
+        <p:nvPicPr>
+          <p:cNvPr id="5" name="תמונה 4" descr="תמונה שמכילה טקסט, אלקטרוניקה, מעגל חשמלי&#10;&#10;התיאור נוצר באופן אוטומטי">
+            <a:extLst>
+              <a:ext uri="{FF2B5EF4-FFF2-40B4-BE49-F238E27FC236}">
+                <a16:creationId xmlns:a16="http://schemas.microsoft.com/office/drawing/2014/main" id="{44478E7F-2BD3-2E0B-1A42-2FCB159A035D}"/>
+              </a:ext>
+            </a:extLst>
+          </p:cNvPr>
+          <p:cNvPicPr>
+            <a:picLocks noChangeAspect="1"/>
+          </p:cNvPicPr>
+          <p:nvPr/>
+        </p:nvPicPr>
+        <p:blipFill>
+          <a:blip r:embed="rId2">
+            <a:extLst>
+              <a:ext uri="{28A0092B-C50C-407E-A947-70E740481C1C}">
+                <a14:useLocalDpi xmlns:a14="http://schemas.microsoft.com/office/drawing/2010/main" val="0"/>
+              </a:ext>
+            </a:extLst>
+          </a:blip>
+          <a:stretch>
+            <a:fillRect/>
+          </a:stretch>
+        </p:blipFill>
+        <p:spPr>
+          <a:xfrm>
+            <a:off x="6099048" y="1661659"/>
+            <a:ext cx="5458968" cy="3534681"/>
+          </a:xfrm>
+          <a:prstGeom prst="rect">
+            <a:avLst/>
+          </a:prstGeom>
+        </p:spPr>
+      </p:pic>
     </p:spTree>
     <p:extLst>
       <p:ext uri="{BB962C8B-B14F-4D97-AF65-F5344CB8AC3E}">
-        <p14:creationId xmlns:p14="http://schemas.microsoft.com/office/powerpoint/2010/main" val="3751348324"/>
+        <p14:creationId xmlns:p14="http://schemas.microsoft.com/office/powerpoint/2010/main" val="3377815917"/>
       </p:ext>
     </p:extLst>
   </p:cSld>
